--- a/Documents/Emotion Recognition.pptx
+++ b/Documents/Emotion Recognition.pptx
@@ -9,21 +9,23 @@
     <p:sldId id="257" r:id="rId3"/>
     <p:sldId id="259" r:id="rId4"/>
     <p:sldId id="260" r:id="rId5"/>
-    <p:sldId id="261" r:id="rId6"/>
-    <p:sldId id="262" r:id="rId7"/>
-    <p:sldId id="263" r:id="rId8"/>
-    <p:sldId id="264" r:id="rId9"/>
-    <p:sldId id="265" r:id="rId10"/>
-    <p:sldId id="266" r:id="rId11"/>
-    <p:sldId id="267" r:id="rId12"/>
-    <p:sldId id="268" r:id="rId13"/>
-    <p:sldId id="269" r:id="rId14"/>
-    <p:sldId id="270" r:id="rId15"/>
-    <p:sldId id="271" r:id="rId16"/>
-    <p:sldId id="272" r:id="rId17"/>
-    <p:sldId id="273" r:id="rId18"/>
-    <p:sldId id="274" r:id="rId19"/>
-    <p:sldId id="258" r:id="rId20"/>
+    <p:sldId id="275" r:id="rId6"/>
+    <p:sldId id="276" r:id="rId7"/>
+    <p:sldId id="261" r:id="rId8"/>
+    <p:sldId id="262" r:id="rId9"/>
+    <p:sldId id="263" r:id="rId10"/>
+    <p:sldId id="264" r:id="rId11"/>
+    <p:sldId id="265" r:id="rId12"/>
+    <p:sldId id="266" r:id="rId13"/>
+    <p:sldId id="267" r:id="rId14"/>
+    <p:sldId id="268" r:id="rId15"/>
+    <p:sldId id="269" r:id="rId16"/>
+    <p:sldId id="270" r:id="rId17"/>
+    <p:sldId id="271" r:id="rId18"/>
+    <p:sldId id="277" r:id="rId19"/>
+    <p:sldId id="273" r:id="rId20"/>
+    <p:sldId id="274" r:id="rId21"/>
+    <p:sldId id="258" r:id="rId22"/>
   </p:sldIdLst>
   <p:sldSz cx="12192000" cy="6858000"/>
   <p:notesSz cx="6858000" cy="9144000"/>
@@ -220,7 +222,7 @@
           <a:effectLst/>
           <a:extLst>
             <a:ext uri="{91240B29-F687-4f45-9708-019B960494DF}">
-              <a14:hiddenLine xmlns:a14="http://schemas.microsoft.com/office/drawing/2010/main" xmlns="" w="9525">
+              <a14:hiddenLine xmlns="" xmlns:a14="http://schemas.microsoft.com/office/drawing/2010/main" w="9525">
                 <a:solidFill>
                   <a:srgbClr val="000000"/>
                 </a:solidFill>
@@ -1730,7 +1732,7 @@
           <a:ln/>
           <a:extLst>
             <a:ext uri="{91240B29-F687-4f45-9708-019B960494DF}">
-              <a14:hiddenLine xmlns:a14="http://schemas.microsoft.com/office/drawing/2010/main" xmlns="" w="9525">
+              <a14:hiddenLine xmlns="" xmlns:a14="http://schemas.microsoft.com/office/drawing/2010/main" w="9525">
                 <a:solidFill>
                   <a:srgbClr val="000000"/>
                 </a:solidFill>
@@ -2002,7 +2004,7 @@
           <a:ln/>
           <a:extLst>
             <a:ext uri="{91240B29-F687-4f45-9708-019B960494DF}">
-              <a14:hiddenLine xmlns:a14="http://schemas.microsoft.com/office/drawing/2010/main" xmlns="" w="9525">
+              <a14:hiddenLine xmlns="" xmlns:a14="http://schemas.microsoft.com/office/drawing/2010/main" w="9525">
                 <a:solidFill>
                   <a:srgbClr val="000000"/>
                 </a:solidFill>
@@ -2282,7 +2284,7 @@
           <a:ln/>
           <a:extLst>
             <a:ext uri="{91240B29-F687-4f45-9708-019B960494DF}">
-              <a14:hiddenLine xmlns:a14="http://schemas.microsoft.com/office/drawing/2010/main" xmlns="" w="9525">
+              <a14:hiddenLine xmlns="" xmlns:a14="http://schemas.microsoft.com/office/drawing/2010/main" w="9525">
                 <a:solidFill>
                   <a:srgbClr val="000000"/>
                 </a:solidFill>
@@ -2902,7 +2904,7 @@
           <a:ln/>
           <a:extLst>
             <a:ext uri="{91240B29-F687-4f45-9708-019B960494DF}">
-              <a14:hiddenLine xmlns:a14="http://schemas.microsoft.com/office/drawing/2010/main" xmlns="" w="9525">
+              <a14:hiddenLine xmlns="" xmlns:a14="http://schemas.microsoft.com/office/drawing/2010/main" w="9525">
                 <a:solidFill>
                   <a:srgbClr val="000000"/>
                 </a:solidFill>
@@ -3238,7 +3240,7 @@
           <a:ln/>
           <a:extLst>
             <a:ext uri="{91240B29-F687-4f45-9708-019B960494DF}">
-              <a14:hiddenLine xmlns:a14="http://schemas.microsoft.com/office/drawing/2010/main" xmlns="" w="9525">
+              <a14:hiddenLine xmlns="" xmlns:a14="http://schemas.microsoft.com/office/drawing/2010/main" w="9525">
                 <a:solidFill>
                   <a:srgbClr val="000000"/>
                 </a:solidFill>
@@ -3712,7 +3714,7 @@
           <a:ln/>
           <a:extLst>
             <a:ext uri="{91240B29-F687-4f45-9708-019B960494DF}">
-              <a14:hiddenLine xmlns:a14="http://schemas.microsoft.com/office/drawing/2010/main" xmlns="" w="9525">
+              <a14:hiddenLine xmlns="" xmlns:a14="http://schemas.microsoft.com/office/drawing/2010/main" w="9525">
                 <a:solidFill>
                   <a:srgbClr val="000000"/>
                 </a:solidFill>
@@ -4135,7 +4137,7 @@
           <a:ln/>
           <a:extLst>
             <a:ext uri="{91240B29-F687-4f45-9708-019B960494DF}">
-              <a14:hiddenLine xmlns:a14="http://schemas.microsoft.com/office/drawing/2010/main" xmlns="" w="9525">
+              <a14:hiddenLine xmlns="" xmlns:a14="http://schemas.microsoft.com/office/drawing/2010/main" w="9525">
                 <a:solidFill>
                   <a:srgbClr val="000000"/>
                 </a:solidFill>
@@ -5363,7 +5365,7 @@
           <p:cNvPr id="2" name="Title 1">
             <a:extLst>
               <a:ext uri="{FF2B5EF4-FFF2-40B4-BE49-F238E27FC236}">
-                <a16:creationId xmlns:a16="http://schemas.microsoft.com/office/drawing/2014/main" id="{0063FD60-78CA-4A1F-A0FE-B921013F1794}"/>
+                <a16:creationId xmlns:a16="http://schemas.microsoft.com/office/drawing/2014/main" xmlns="" id="{0063FD60-78CA-4A1F-A0FE-B921013F1794}"/>
               </a:ext>
             </a:extLst>
           </p:cNvPr>
@@ -5391,7 +5393,7 @@
           <p:cNvPr id="3" name="Subtitle 2">
             <a:extLst>
               <a:ext uri="{FF2B5EF4-FFF2-40B4-BE49-F238E27FC236}">
-                <a16:creationId xmlns:a16="http://schemas.microsoft.com/office/drawing/2014/main" id="{8AD6D437-7437-4C22-9483-E30E5CF55558}"/>
+                <a16:creationId xmlns:a16="http://schemas.microsoft.com/office/drawing/2014/main" xmlns="" id="{8AD6D437-7437-4C22-9483-E30E5CF55558}"/>
               </a:ext>
             </a:extLst>
           </p:cNvPr>
@@ -5417,7 +5419,7 @@
     </p:spTree>
     <p:extLst>
       <p:ext uri="{BB962C8B-B14F-4D97-AF65-F5344CB8AC3E}">
-        <p14:creationId xmlns:p14="http://schemas.microsoft.com/office/powerpoint/2010/main" val="536123702"/>
+        <p14:creationId xmlns:p14="http://schemas.microsoft.com/office/powerpoint/2010/main" xmlns="" val="536123702"/>
       </p:ext>
     </p:extLst>
   </p:cSld>
@@ -5449,7 +5451,7 @@
           <p:cNvPr id="2" name="Title 1">
             <a:extLst>
               <a:ext uri="{FF2B5EF4-FFF2-40B4-BE49-F238E27FC236}">
-                <a16:creationId xmlns:a16="http://schemas.microsoft.com/office/drawing/2014/main" id="{ED133C27-5DC2-4F90-9B6B-88CE4BE8A03C}"/>
+                <a16:creationId xmlns:a16="http://schemas.microsoft.com/office/drawing/2014/main" xmlns="" id="{A4B631FA-48C6-4287-8616-16867CDEB93A}"/>
               </a:ext>
             </a:extLst>
           </p:cNvPr>
@@ -5467,15 +5469,7 @@
           <a:p>
             <a:r>
               <a:rPr lang="en-US" dirty="0"/>
-              <a:t>Training: 1</a:t>
-            </a:r>
-            <a:r>
-              <a:rPr lang="en-US" baseline="30000" dirty="0"/>
-              <a:t>st</a:t>
-            </a:r>
-            <a:r>
-              <a:rPr lang="en-US" dirty="0"/>
-              <a:t> Phase</a:t>
+              <a:t>Landmarks</a:t>
             </a:r>
           </a:p>
         </p:txBody>
@@ -5485,7 +5479,7 @@
           <p:cNvPr id="3" name="Content Placeholder 2">
             <a:extLst>
               <a:ext uri="{FF2B5EF4-FFF2-40B4-BE49-F238E27FC236}">
-                <a16:creationId xmlns:a16="http://schemas.microsoft.com/office/drawing/2014/main" id="{8A2158EB-9316-4B7B-A73B-15A9464C50E6}"/>
+                <a16:creationId xmlns:a16="http://schemas.microsoft.com/office/drawing/2014/main" xmlns="" id="{41480C80-0CDF-4AA2-938E-A4A64CDC81F4}"/>
               </a:ext>
             </a:extLst>
           </p:cNvPr>
@@ -5498,40 +5492,68 @@
         </p:nvSpPr>
         <p:spPr/>
         <p:txBody>
-          <a:bodyPr/>
-          <a:lstStyle/>
-          <a:p>
-            <a:r>
-              <a:rPr lang="en-US" dirty="0"/>
-              <a:t>In our 1</a:t>
-            </a:r>
-            <a:r>
-              <a:rPr lang="en-US" baseline="30000" dirty="0"/>
-              <a:t>st</a:t>
-            </a:r>
-            <a:r>
-              <a:rPr lang="en-US" dirty="0"/>
-              <a:t> phase of training, we used several machine learning models to train a classifier on the wild samples dataset.</a:t>
-            </a:r>
-          </a:p>
-          <a:p>
-            <a:r>
-              <a:rPr lang="en-US" dirty="0"/>
-              <a:t>Since the data is imbalanced, we used 2000 samples from each class. 90% of which used as train data, and the rest as test data.</a:t>
-            </a:r>
-          </a:p>
-          <a:p>
-            <a:r>
-              <a:rPr lang="en-US" dirty="0"/>
-              <a:t>In an attempt to achieve better results, we trained the classifier to identify different subsets of classes.</a:t>
-            </a:r>
-          </a:p>
-        </p:txBody>
-      </p:sp>
+          <a:bodyPr>
+            <a:normAutofit/>
+          </a:bodyPr>
+          <a:lstStyle/>
+          <a:p>
+            <a:r>
+              <a:rPr lang="en-US" sz="2400" dirty="0"/>
+              <a:t>We used a trained neural network, </a:t>
+            </a:r>
+            <a:r>
+              <a:rPr lang="en-US" sz="2400" dirty="0" err="1"/>
+              <a:t>dlib</a:t>
+            </a:r>
+            <a:r>
+              <a:rPr lang="en-US" sz="2400" dirty="0"/>
+              <a:t>, to extract “landmarks” from the samples.</a:t>
+            </a:r>
+          </a:p>
+          <a:p>
+            <a:r>
+              <a:rPr lang="en-US" sz="2400" dirty="0"/>
+              <a:t>The landmarks are a set of 68 points, marking points of interest in the human face.</a:t>
+            </a:r>
+          </a:p>
+          <a:p>
+            <a:r>
+              <a:rPr lang="en-US" sz="2400" dirty="0"/>
+              <a:t>We chose a subset of 30 landmarks and used them to calculate the features for our models.</a:t>
+            </a:r>
+          </a:p>
+        </p:txBody>
+      </p:sp>
+      <p:pic>
+        <p:nvPicPr>
+          <p:cNvPr id="1026" name="Picture 2" descr="C:\Users\DELL1\Documents\studies\FinalProject\facial-landmarks\facial-landmarks\images\edited_21319042_10154931024927849_6283592495538917352_o.jpg"/>
+          <p:cNvPicPr>
+            <a:picLocks noChangeAspect="1" noChangeArrowheads="1"/>
+          </p:cNvPicPr>
+          <p:nvPr/>
+        </p:nvPicPr>
+        <p:blipFill>
+          <a:blip r:embed="rId2"/>
+          <a:srcRect l="18000" t="8720" r="14800" b="19691"/>
+          <a:stretch>
+            <a:fillRect/>
+          </a:stretch>
+        </p:blipFill>
+        <p:spPr bwMode="auto">
+          <a:xfrm>
+            <a:off x="9640389" y="0"/>
+            <a:ext cx="2551611" cy="2718247"/>
+          </a:xfrm>
+          <a:prstGeom prst="rect">
+            <a:avLst/>
+          </a:prstGeom>
+          <a:noFill/>
+        </p:spPr>
+      </p:pic>
     </p:spTree>
     <p:extLst>
       <p:ext uri="{BB962C8B-B14F-4D97-AF65-F5344CB8AC3E}">
-        <p14:creationId xmlns:p14="http://schemas.microsoft.com/office/powerpoint/2010/main" val="483694770"/>
+        <p14:creationId xmlns:p14="http://schemas.microsoft.com/office/powerpoint/2010/main" xmlns="" val="1799872675"/>
       </p:ext>
     </p:extLst>
   </p:cSld>
@@ -5563,7 +5585,7 @@
           <p:cNvPr id="2" name="Title 1">
             <a:extLst>
               <a:ext uri="{FF2B5EF4-FFF2-40B4-BE49-F238E27FC236}">
-                <a16:creationId xmlns:a16="http://schemas.microsoft.com/office/drawing/2014/main" id="{AA03D361-EB7D-4F72-B440-7CDBD1581658}"/>
+                <a16:creationId xmlns:a16="http://schemas.microsoft.com/office/drawing/2014/main" xmlns="" id="{58774967-51CB-4DC1-830B-792160AF8859}"/>
               </a:ext>
             </a:extLst>
           </p:cNvPr>
@@ -5580,9 +5602,10 @@
           <a:lstStyle/>
           <a:p>
             <a:r>
-              <a:rPr lang="en-US" dirty="0"/>
-              <a:t>Logistic Regression</a:t>
-            </a:r>
+              <a:rPr lang="en-US" dirty="0" smtClean="0"/>
+              <a:t>Features</a:t>
+            </a:r>
+            <a:endParaRPr lang="en-US" dirty="0"/>
           </a:p>
         </p:txBody>
       </p:sp>
@@ -5591,51 +5614,57 @@
           <p:cNvPr id="3" name="Content Placeholder 2">
             <a:extLst>
               <a:ext uri="{FF2B5EF4-FFF2-40B4-BE49-F238E27FC236}">
-                <a16:creationId xmlns:a16="http://schemas.microsoft.com/office/drawing/2014/main" id="{D4E8D889-D21A-4F32-98D1-F2414554FB76}"/>
+                <a16:creationId xmlns:a16="http://schemas.microsoft.com/office/drawing/2014/main" xmlns:mc="http://schemas.openxmlformats.org/markup-compatibility/2006" xmlns="" id="{2CBFF7E1-8BE8-49B1-A1CD-5B328AB71E33}"/>
               </a:ext>
             </a:extLst>
           </p:cNvPr>
           <p:cNvSpPr>
-            <a:spLocks noGrp="1"/>
+            <a:spLocks noGrp="1" noRot="1" noChangeAspect="1" noMove="1" noResize="1" noEditPoints="1" noAdjustHandles="1" noChangeArrowheads="1" noChangeShapeType="1" noTextEdit="1"/>
           </p:cNvSpPr>
           <p:nvPr>
             <p:ph idx="1"/>
           </p:nvPr>
         </p:nvSpPr>
-        <p:spPr/>
+        <p:spPr>
+          <a:blipFill>
+            <a:blip r:embed="rId2">
+              <a:lum/>
+            </a:blip>
+            <a:stretch>
+              <a:fillRect/>
+            </a:stretch>
+          </a:blipFill>
+        </p:spPr>
         <p:txBody>
           <a:bodyPr/>
           <a:lstStyle/>
           <a:p>
-            <a:r>
-              <a:rPr lang="en-US" dirty="0"/>
-              <a:t>Cross validation yielded 0.1 as the best value for the C parameter.</a:t>
-            </a:r>
-          </a:p>
-          <a:p>
-            <a:r>
-              <a:rPr lang="en-US" dirty="0"/>
-              <a:t>89.75% accuracy for binary classification (happy and sad samples only).</a:t>
-            </a:r>
-          </a:p>
-          <a:p>
-            <a:r>
-              <a:rPr lang="en-US" dirty="0"/>
-              <a:t>49.5% accuracy for all classes.</a:t>
-            </a:r>
+            <a:pPr algn="ctr">
+              <a:buNone/>
+            </a:pPr>
+            <a:endParaRPr lang="en-US" dirty="0">
+              <a:noFill/>
+            </a:endParaRPr>
           </a:p>
         </p:txBody>
       </p:sp>
     </p:spTree>
     <p:extLst>
       <p:ext uri="{BB962C8B-B14F-4D97-AF65-F5344CB8AC3E}">
-        <p14:creationId xmlns:p14="http://schemas.microsoft.com/office/powerpoint/2010/main" val="2755113744"/>
+        <p14:creationId xmlns:p14="http://schemas.microsoft.com/office/powerpoint/2010/main" xmlns="" val="2010315940"/>
       </p:ext>
     </p:extLst>
   </p:cSld>
   <p:clrMapOvr>
     <a:masterClrMapping/>
   </p:clrMapOvr>
+  <p:timing>
+    <p:tnLst>
+      <p:par>
+        <p:cTn id="1" dur="indefinite" restart="never" nodeType="tmRoot"/>
+      </p:par>
+    </p:tnLst>
+  </p:timing>
 </p:sld>
 </file>
 
@@ -5661,7 +5690,7 @@
           <p:cNvPr id="2" name="Title 1">
             <a:extLst>
               <a:ext uri="{FF2B5EF4-FFF2-40B4-BE49-F238E27FC236}">
-                <a16:creationId xmlns:a16="http://schemas.microsoft.com/office/drawing/2014/main" id="{C3F9D05E-7070-4691-AC03-E5F498A5F20A}"/>
+                <a16:creationId xmlns:a16="http://schemas.microsoft.com/office/drawing/2014/main" xmlns="" id="{ED133C27-5DC2-4F90-9B6B-88CE4BE8A03C}"/>
               </a:ext>
             </a:extLst>
           </p:cNvPr>
@@ -5679,7 +5708,15 @@
           <a:p>
             <a:r>
               <a:rPr lang="en-US" dirty="0"/>
-              <a:t>KNN</a:t>
+              <a:t>Training: 1</a:t>
+            </a:r>
+            <a:r>
+              <a:rPr lang="en-US" baseline="30000" dirty="0"/>
+              <a:t>st</a:t>
+            </a:r>
+            <a:r>
+              <a:rPr lang="en-US" dirty="0"/>
+              <a:t> Phase</a:t>
             </a:r>
           </a:p>
         </p:txBody>
@@ -5689,7 +5726,7 @@
           <p:cNvPr id="3" name="Content Placeholder 2">
             <a:extLst>
               <a:ext uri="{FF2B5EF4-FFF2-40B4-BE49-F238E27FC236}">
-                <a16:creationId xmlns:a16="http://schemas.microsoft.com/office/drawing/2014/main" id="{02FEECD9-1675-4E6B-973B-0117494B584B}"/>
+                <a16:creationId xmlns:a16="http://schemas.microsoft.com/office/drawing/2014/main" xmlns="" id="{8A2158EB-9316-4B7B-A73B-15A9464C50E6}"/>
               </a:ext>
             </a:extLst>
           </p:cNvPr>
@@ -5702,24 +5739,34 @@
         </p:nvSpPr>
         <p:spPr/>
         <p:txBody>
-          <a:bodyPr/>
-          <a:lstStyle/>
-          <a:p>
-            <a:r>
-              <a:rPr lang="en-US" dirty="0"/>
-              <a:t>Cross validation yielded 3 as the best value for the K parameter.</a:t>
-            </a:r>
-          </a:p>
-          <a:p>
-            <a:r>
-              <a:rPr lang="en-US" dirty="0"/>
-              <a:t>79.25% accuracy for binary classification.</a:t>
-            </a:r>
-          </a:p>
-          <a:p>
-            <a:r>
-              <a:rPr lang="en-US" dirty="0"/>
-              <a:t>29.2% accuracy for all classes.</a:t>
+          <a:bodyPr>
+            <a:normAutofit/>
+          </a:bodyPr>
+          <a:lstStyle/>
+          <a:p>
+            <a:r>
+              <a:rPr lang="en-US" sz="2400" dirty="0"/>
+              <a:t>In our 1</a:t>
+            </a:r>
+            <a:r>
+              <a:rPr lang="en-US" sz="2400" baseline="30000" dirty="0"/>
+              <a:t>st</a:t>
+            </a:r>
+            <a:r>
+              <a:rPr lang="en-US" sz="2400" dirty="0"/>
+              <a:t> phase of training, we used several machine learning models to train a classifier on the wild samples dataset.</a:t>
+            </a:r>
+          </a:p>
+          <a:p>
+            <a:r>
+              <a:rPr lang="en-US" sz="2400" dirty="0"/>
+              <a:t>Since the data is imbalanced, we used 2000 samples from each class. 90% of which used as train data, and the rest as test data.</a:t>
+            </a:r>
+          </a:p>
+          <a:p>
+            <a:r>
+              <a:rPr lang="en-US" sz="2400" dirty="0"/>
+              <a:t>In an attempt to achieve better results, we trained the classifier to identify different subsets of classes.</a:t>
             </a:r>
           </a:p>
         </p:txBody>
@@ -5727,13 +5774,20 @@
     </p:spTree>
     <p:extLst>
       <p:ext uri="{BB962C8B-B14F-4D97-AF65-F5344CB8AC3E}">
-        <p14:creationId xmlns:p14="http://schemas.microsoft.com/office/powerpoint/2010/main" val="1346212239"/>
+        <p14:creationId xmlns:p14="http://schemas.microsoft.com/office/powerpoint/2010/main" xmlns="" val="483694770"/>
       </p:ext>
     </p:extLst>
   </p:cSld>
   <p:clrMapOvr>
     <a:masterClrMapping/>
   </p:clrMapOvr>
+  <p:timing>
+    <p:tnLst>
+      <p:par>
+        <p:cTn id="1" dur="indefinite" restart="never" nodeType="tmRoot"/>
+      </p:par>
+    </p:tnLst>
+  </p:timing>
 </p:sld>
 </file>
 
@@ -5759,7 +5813,7 @@
           <p:cNvPr id="2" name="Title 1">
             <a:extLst>
               <a:ext uri="{FF2B5EF4-FFF2-40B4-BE49-F238E27FC236}">
-                <a16:creationId xmlns:a16="http://schemas.microsoft.com/office/drawing/2014/main" id="{48473741-A1EB-4028-A35C-239792CE2D73}"/>
+                <a16:creationId xmlns:a16="http://schemas.microsoft.com/office/drawing/2014/main" xmlns="" id="{AA03D361-EB7D-4F72-B440-7CDBD1581658}"/>
               </a:ext>
             </a:extLst>
           </p:cNvPr>
@@ -5777,7 +5831,7 @@
           <a:p>
             <a:r>
               <a:rPr lang="en-US" dirty="0"/>
-              <a:t>Convolutional Neural Network</a:t>
+              <a:t>Logistic Regression</a:t>
             </a:r>
           </a:p>
         </p:txBody>
@@ -5787,7 +5841,7 @@
           <p:cNvPr id="3" name="Content Placeholder 2">
             <a:extLst>
               <a:ext uri="{FF2B5EF4-FFF2-40B4-BE49-F238E27FC236}">
-                <a16:creationId xmlns:a16="http://schemas.microsoft.com/office/drawing/2014/main" id="{CC239D60-C79F-429A-831F-E3C4C17C18EA}"/>
+                <a16:creationId xmlns:a16="http://schemas.microsoft.com/office/drawing/2014/main" xmlns="" id="{D4E8D889-D21A-4F32-98D1-F2414554FB76}"/>
               </a:ext>
             </a:extLst>
           </p:cNvPr>
@@ -5800,37 +5854,26 @@
         </p:nvSpPr>
         <p:spPr/>
         <p:txBody>
-          <a:bodyPr/>
-          <a:lstStyle/>
-          <a:p>
-            <a:r>
-              <a:rPr lang="en-US" dirty="0"/>
-              <a:t>This model receives the raw images as input, i.e. it doesn’t use the calculated features.</a:t>
-            </a:r>
-          </a:p>
-          <a:p>
-            <a:r>
-              <a:rPr lang="en-US" dirty="0"/>
-              <a:t>The neural network architecture:</a:t>
-            </a:r>
-          </a:p>
-          <a:p>
-            <a:pPr lvl="1"/>
-            <a:r>
-              <a:rPr lang="en-US" dirty="0"/>
-              <a:t>3 2D convolutional layers, a max pooling layer, a dropout layer, a fully connected layer, another dropout layer, and another fully connected layer.</a:t>
-            </a:r>
-          </a:p>
-          <a:p>
-            <a:r>
-              <a:rPr lang="en-US" dirty="0"/>
-              <a:t>90.2% accuracy for binary classification.</a:t>
-            </a:r>
-          </a:p>
-          <a:p>
-            <a:r>
-              <a:rPr lang="en-US" dirty="0"/>
-              <a:t>46% accuracy for all classes.</a:t>
+          <a:bodyPr>
+            <a:normAutofit/>
+          </a:bodyPr>
+          <a:lstStyle/>
+          <a:p>
+            <a:r>
+              <a:rPr lang="en-US" sz="2400" dirty="0"/>
+              <a:t>Cross validation yielded 0.1 as the best value for the C parameter.</a:t>
+            </a:r>
+          </a:p>
+          <a:p>
+            <a:r>
+              <a:rPr lang="en-US" sz="2400" dirty="0"/>
+              <a:t>89.75% accuracy for binary classification (happy and sad samples only).</a:t>
+            </a:r>
+          </a:p>
+          <a:p>
+            <a:r>
+              <a:rPr lang="en-US" sz="2400" dirty="0"/>
+              <a:t>49.5% accuracy for all classes.</a:t>
             </a:r>
           </a:p>
         </p:txBody>
@@ -5838,7 +5881,7 @@
     </p:spTree>
     <p:extLst>
       <p:ext uri="{BB962C8B-B14F-4D97-AF65-F5344CB8AC3E}">
-        <p14:creationId xmlns:p14="http://schemas.microsoft.com/office/powerpoint/2010/main" val="720941146"/>
+        <p14:creationId xmlns:p14="http://schemas.microsoft.com/office/powerpoint/2010/main" xmlns="" val="2755113744"/>
       </p:ext>
     </p:extLst>
   </p:cSld>
@@ -5870,7 +5913,7 @@
           <p:cNvPr id="2" name="Title 1">
             <a:extLst>
               <a:ext uri="{FF2B5EF4-FFF2-40B4-BE49-F238E27FC236}">
-                <a16:creationId xmlns:a16="http://schemas.microsoft.com/office/drawing/2014/main" id="{7A106F6D-046A-440E-8867-61ADABDF997B}"/>
+                <a16:creationId xmlns:a16="http://schemas.microsoft.com/office/drawing/2014/main" xmlns="" id="{C3F9D05E-7070-4691-AC03-E5F498A5F20A}"/>
               </a:ext>
             </a:extLst>
           </p:cNvPr>
@@ -5888,15 +5931,7 @@
           <a:p>
             <a:r>
               <a:rPr lang="en-US" dirty="0"/>
-              <a:t>Training: 2</a:t>
-            </a:r>
-            <a:r>
-              <a:rPr lang="en-US" baseline="30000" dirty="0"/>
-              <a:t>nd</a:t>
-            </a:r>
-            <a:r>
-              <a:rPr lang="en-US" dirty="0"/>
-              <a:t> Phase</a:t>
+              <a:t>KNN</a:t>
             </a:r>
           </a:p>
         </p:txBody>
@@ -5906,7 +5941,7 @@
           <p:cNvPr id="3" name="Content Placeholder 2">
             <a:extLst>
               <a:ext uri="{FF2B5EF4-FFF2-40B4-BE49-F238E27FC236}">
-                <a16:creationId xmlns:a16="http://schemas.microsoft.com/office/drawing/2014/main" id="{40E6732C-14C0-4CFD-B564-08AF10EF6D8C}"/>
+                <a16:creationId xmlns:a16="http://schemas.microsoft.com/office/drawing/2014/main" xmlns="" id="{02FEECD9-1675-4E6B-973B-0117494B584B}"/>
               </a:ext>
             </a:extLst>
           </p:cNvPr>
@@ -5919,38 +5954,26 @@
         </p:nvSpPr>
         <p:spPr/>
         <p:txBody>
-          <a:bodyPr/>
-          <a:lstStyle/>
-          <a:p>
-            <a:r>
-              <a:rPr lang="en-US" dirty="0"/>
-              <a:t>In our 2</a:t>
-            </a:r>
-            <a:r>
-              <a:rPr lang="en-US" baseline="30000" dirty="0"/>
-              <a:t>nd</a:t>
-            </a:r>
-            <a:r>
-              <a:rPr lang="en-US" dirty="0"/>
-              <a:t> phase of training, we trained a classifier on the posed samples datasets.</a:t>
-            </a:r>
-          </a:p>
-          <a:p>
-            <a:r>
-              <a:rPr lang="en-US" dirty="0"/>
-              <a:t>This time, for each samples we subtracted from its feature vector the feature vector of the corresponding neutral sample.</a:t>
-            </a:r>
-          </a:p>
-          <a:p>
-            <a:r>
-              <a:rPr lang="en-US" dirty="0"/>
-              <a:t>We used the results as new feature vectors.</a:t>
-            </a:r>
-          </a:p>
-          <a:p>
-            <a:r>
-              <a:rPr lang="en-US" dirty="0"/>
-              <a:t>We trained the classifier on 6 classes: Happiness, Sadness, Surprise, Fear, Anger, Disgust</a:t>
+          <a:bodyPr>
+            <a:normAutofit/>
+          </a:bodyPr>
+          <a:lstStyle/>
+          <a:p>
+            <a:r>
+              <a:rPr lang="en-US" sz="2400" dirty="0"/>
+              <a:t>Cross validation yielded 3 as the best value for the K parameter.</a:t>
+            </a:r>
+          </a:p>
+          <a:p>
+            <a:r>
+              <a:rPr lang="en-US" sz="2400" dirty="0"/>
+              <a:t>79.25% accuracy for binary classification.</a:t>
+            </a:r>
+          </a:p>
+          <a:p>
+            <a:r>
+              <a:rPr lang="en-US" sz="2400" dirty="0"/>
+              <a:t>29.2% accuracy for all classes.</a:t>
             </a:r>
           </a:p>
         </p:txBody>
@@ -5958,7 +5981,7 @@
     </p:spTree>
     <p:extLst>
       <p:ext uri="{BB962C8B-B14F-4D97-AF65-F5344CB8AC3E}">
-        <p14:creationId xmlns:p14="http://schemas.microsoft.com/office/powerpoint/2010/main" val="2744332620"/>
+        <p14:creationId xmlns:p14="http://schemas.microsoft.com/office/powerpoint/2010/main" xmlns="" val="1346212239"/>
       </p:ext>
     </p:extLst>
   </p:cSld>
@@ -5990,7 +6013,7 @@
           <p:cNvPr id="2" name="Title 1">
             <a:extLst>
               <a:ext uri="{FF2B5EF4-FFF2-40B4-BE49-F238E27FC236}">
-                <a16:creationId xmlns:a16="http://schemas.microsoft.com/office/drawing/2014/main" id="{B797C81B-908E-4604-ABC3-CC13B90A9974}"/>
+                <a16:creationId xmlns:a16="http://schemas.microsoft.com/office/drawing/2014/main" xmlns="" id="{48473741-A1EB-4028-A35C-239792CE2D73}"/>
               </a:ext>
             </a:extLst>
           </p:cNvPr>
@@ -6008,7 +6031,7 @@
           <a:p>
             <a:r>
               <a:rPr lang="en-US" dirty="0"/>
-              <a:t>Logistic Regression</a:t>
+              <a:t>Convolutional Neural Network</a:t>
             </a:r>
           </a:p>
         </p:txBody>
@@ -6018,7 +6041,7 @@
           <p:cNvPr id="3" name="Content Placeholder 2">
             <a:extLst>
               <a:ext uri="{FF2B5EF4-FFF2-40B4-BE49-F238E27FC236}">
-                <a16:creationId xmlns:a16="http://schemas.microsoft.com/office/drawing/2014/main" id="{BAD2286E-B042-4B22-A2D1-B6F44A3F6E0B}"/>
+                <a16:creationId xmlns:a16="http://schemas.microsoft.com/office/drawing/2014/main" xmlns="" id="{CC239D60-C79F-429A-831F-E3C4C17C18EA}"/>
               </a:ext>
             </a:extLst>
           </p:cNvPr>
@@ -6031,18 +6054,39 @@
         </p:nvSpPr>
         <p:spPr/>
         <p:txBody>
-          <a:bodyPr/>
-          <a:lstStyle/>
-          <a:p>
-            <a:r>
-              <a:rPr lang="en-US" dirty="0"/>
-              <a:t>Again, cross validation yielded 0.1 as the best value for the C parameter.</a:t>
-            </a:r>
-          </a:p>
-          <a:p>
-            <a:r>
-              <a:rPr lang="en-US" dirty="0"/>
-              <a:t>85% accuracy.</a:t>
+          <a:bodyPr>
+            <a:normAutofit/>
+          </a:bodyPr>
+          <a:lstStyle/>
+          <a:p>
+            <a:r>
+              <a:rPr lang="en-US" sz="2400" dirty="0"/>
+              <a:t>This model receives the raw images as input, i.e. it doesn’t use the calculated features.</a:t>
+            </a:r>
+          </a:p>
+          <a:p>
+            <a:r>
+              <a:rPr lang="en-US" sz="2400" dirty="0"/>
+              <a:t>The neural network architecture:</a:t>
+            </a:r>
+          </a:p>
+          <a:p>
+            <a:pPr lvl="1"/>
+            <a:r>
+              <a:rPr lang="en-US" sz="2400" dirty="0"/>
+              <a:t>3 2D convolutional layers, a max pooling layer, a dropout layer, a fully connected layer, another dropout layer, and another fully connected layer.</a:t>
+            </a:r>
+          </a:p>
+          <a:p>
+            <a:r>
+              <a:rPr lang="en-US" sz="2400" dirty="0"/>
+              <a:t>90.2% accuracy for binary classification.</a:t>
+            </a:r>
+          </a:p>
+          <a:p>
+            <a:r>
+              <a:rPr lang="en-US" sz="2400" dirty="0"/>
+              <a:t>46% accuracy for all classes.</a:t>
             </a:r>
           </a:p>
         </p:txBody>
@@ -6050,7 +6094,7 @@
     </p:spTree>
     <p:extLst>
       <p:ext uri="{BB962C8B-B14F-4D97-AF65-F5344CB8AC3E}">
-        <p14:creationId xmlns:p14="http://schemas.microsoft.com/office/powerpoint/2010/main" val="841278546"/>
+        <p14:creationId xmlns:p14="http://schemas.microsoft.com/office/powerpoint/2010/main" xmlns="" val="720941146"/>
       </p:ext>
     </p:extLst>
   </p:cSld>
@@ -6082,7 +6126,7 @@
           <p:cNvPr id="2" name="Title 1">
             <a:extLst>
               <a:ext uri="{FF2B5EF4-FFF2-40B4-BE49-F238E27FC236}">
-                <a16:creationId xmlns:a16="http://schemas.microsoft.com/office/drawing/2014/main" id="{8B92F4F9-DE1E-4EE4-8C06-FE5C9C51B724}"/>
+                <a16:creationId xmlns:a16="http://schemas.microsoft.com/office/drawing/2014/main" xmlns="" id="{7A106F6D-046A-440E-8867-61ADABDF997B}"/>
               </a:ext>
             </a:extLst>
           </p:cNvPr>
@@ -6100,106 +6144,79 @@
           <a:p>
             <a:r>
               <a:rPr lang="en-US" dirty="0"/>
-              <a:t>MLP Classifier</a:t>
-            </a:r>
-          </a:p>
-        </p:txBody>
-      </p:sp>
-      <mc:AlternateContent xmlns:mc="http://schemas.openxmlformats.org/markup-compatibility/2006">
-        <mc:Choice xmlns:a14="http://schemas.microsoft.com/office/drawing/2010/main" Requires="a14">
-          <p:sp>
-            <p:nvSpPr>
-              <p:cNvPr id="3" name="Content Placeholder 2">
-                <a:extLst>
-                  <a:ext uri="{FF2B5EF4-FFF2-40B4-BE49-F238E27FC236}">
-                    <a16:creationId xmlns:a16="http://schemas.microsoft.com/office/drawing/2014/main" id="{F45C7030-D6F6-46CE-9A94-8E71F74A8056}"/>
-                  </a:ext>
-                </a:extLst>
-              </p:cNvPr>
-              <p:cNvSpPr>
-                <a:spLocks noGrp="1"/>
-              </p:cNvSpPr>
-              <p:nvPr>
-                <p:ph idx="1"/>
-              </p:nvPr>
-            </p:nvSpPr>
-            <p:spPr/>
-            <p:txBody>
-              <a:bodyPr/>
-              <a:lstStyle/>
-              <a:p>
-                <a:r>
-                  <a:rPr lang="en-US" dirty="0"/>
-                  <a:t>Cross validation yielded 1 as the best value for the </a:t>
-                </a:r>
-                <a14:m>
-                  <m:oMath xmlns:m="http://schemas.openxmlformats.org/officeDocument/2006/math">
-                    <m:r>
-                      <a:rPr lang="en-US" b="0" i="1" smtClean="0">
-                        <a:latin typeface="Cambria Math" panose="02040503050406030204" pitchFamily="18" charset="0"/>
-                      </a:rPr>
-                      <m:t>𝛼</m:t>
-                    </m:r>
-                  </m:oMath>
-                </a14:m>
-                <a:r>
-                  <a:rPr lang="en-US" dirty="0"/>
-                  <a:t> parameter.</a:t>
-                </a:r>
-              </a:p>
-              <a:p>
-                <a:r>
-                  <a:rPr lang="en-US" dirty="0"/>
-                  <a:t>85% accuracy.</a:t>
-                </a:r>
-              </a:p>
-            </p:txBody>
-          </p:sp>
-        </mc:Choice>
-        <mc:Fallback>
-          <p:sp>
-            <p:nvSpPr>
-              <p:cNvPr id="3" name="Content Placeholder 2">
-                <a:extLst>
-                  <a:ext uri="{FF2B5EF4-FFF2-40B4-BE49-F238E27FC236}">
-                    <a16:creationId xmlns:a16="http://schemas.microsoft.com/office/drawing/2014/main" id="{F45C7030-D6F6-46CE-9A94-8E71F74A8056}"/>
-                  </a:ext>
-                </a:extLst>
-              </p:cNvPr>
-              <p:cNvSpPr>
-                <a:spLocks noGrp="1" noRot="1" noChangeAspect="1" noMove="1" noResize="1" noEditPoints="1" noAdjustHandles="1" noChangeArrowheads="1" noChangeShapeType="1" noTextEdit="1"/>
-              </p:cNvSpPr>
-              <p:nvPr>
-                <p:ph idx="1"/>
-              </p:nvPr>
-            </p:nvSpPr>
-            <p:spPr>
-              <a:blipFill>
-                <a:blip r:embed="rId2"/>
-                <a:stretch>
-                  <a:fillRect/>
-                </a:stretch>
-              </a:blipFill>
-            </p:spPr>
-            <p:txBody>
-              <a:bodyPr/>
-              <a:lstStyle/>
-              <a:p>
-                <a:r>
-                  <a:rPr lang="en-US">
-                    <a:noFill/>
-                  </a:rPr>
-                  <a:t> </a:t>
-                </a:r>
-              </a:p>
-            </p:txBody>
-          </p:sp>
-        </mc:Fallback>
-      </mc:AlternateContent>
+              <a:t>Training: 2</a:t>
+            </a:r>
+            <a:r>
+              <a:rPr lang="en-US" baseline="30000" dirty="0"/>
+              <a:t>nd</a:t>
+            </a:r>
+            <a:r>
+              <a:rPr lang="en-US" dirty="0"/>
+              <a:t> Phase</a:t>
+            </a:r>
+          </a:p>
+        </p:txBody>
+      </p:sp>
+      <p:sp>
+        <p:nvSpPr>
+          <p:cNvPr id="3" name="Content Placeholder 2">
+            <a:extLst>
+              <a:ext uri="{FF2B5EF4-FFF2-40B4-BE49-F238E27FC236}">
+                <a16:creationId xmlns:a16="http://schemas.microsoft.com/office/drawing/2014/main" xmlns="" id="{40E6732C-14C0-4CFD-B564-08AF10EF6D8C}"/>
+              </a:ext>
+            </a:extLst>
+          </p:cNvPr>
+          <p:cNvSpPr>
+            <a:spLocks noGrp="1"/>
+          </p:cNvSpPr>
+          <p:nvPr>
+            <p:ph idx="1"/>
+          </p:nvPr>
+        </p:nvSpPr>
+        <p:spPr/>
+        <p:txBody>
+          <a:bodyPr>
+            <a:normAutofit/>
+          </a:bodyPr>
+          <a:lstStyle/>
+          <a:p>
+            <a:r>
+              <a:rPr lang="en-US" sz="2400" dirty="0"/>
+              <a:t>In our 2</a:t>
+            </a:r>
+            <a:r>
+              <a:rPr lang="en-US" sz="2400" baseline="30000" dirty="0"/>
+              <a:t>nd</a:t>
+            </a:r>
+            <a:r>
+              <a:rPr lang="en-US" sz="2400" dirty="0"/>
+              <a:t> phase of training, we trained a classifier on the posed samples datasets.</a:t>
+            </a:r>
+          </a:p>
+          <a:p>
+            <a:r>
+              <a:rPr lang="en-US" sz="2400" dirty="0"/>
+              <a:t>This time, for each samples we subtracted from its feature vector the feature vector of the corresponding neutral sample.</a:t>
+            </a:r>
+          </a:p>
+          <a:p>
+            <a:r>
+              <a:rPr lang="en-US" sz="2400" dirty="0"/>
+              <a:t>We used the results as new feature vectors.</a:t>
+            </a:r>
+          </a:p>
+          <a:p>
+            <a:r>
+              <a:rPr lang="en-US" sz="2400" dirty="0"/>
+              <a:t>We trained the classifier on 6 classes: Happiness, Sadness, Surprise, Fear, Anger, Disgust</a:t>
+            </a:r>
+          </a:p>
+        </p:txBody>
+      </p:sp>
     </p:spTree>
     <p:extLst>
       <p:ext uri="{BB962C8B-B14F-4D97-AF65-F5344CB8AC3E}">
-        <p14:creationId xmlns:p14="http://schemas.microsoft.com/office/powerpoint/2010/main" val="4059623033"/>
+        <p14:creationId xmlns:p14="http://schemas.microsoft.com/office/powerpoint/2010/main" xmlns="" val="2744332620"/>
       </p:ext>
     </p:extLst>
   </p:cSld>
@@ -6231,7 +6248,7 @@
           <p:cNvPr id="2" name="Title 1">
             <a:extLst>
               <a:ext uri="{FF2B5EF4-FFF2-40B4-BE49-F238E27FC236}">
-                <a16:creationId xmlns:a16="http://schemas.microsoft.com/office/drawing/2014/main" id="{F4FC7EC2-C2F5-4AF8-A455-895099A5E631}"/>
+                <a16:creationId xmlns:a16="http://schemas.microsoft.com/office/drawing/2014/main" xmlns="" id="{B797C81B-908E-4604-ABC3-CC13B90A9974}"/>
               </a:ext>
             </a:extLst>
           </p:cNvPr>
@@ -6249,7 +6266,7 @@
           <a:p>
             <a:r>
               <a:rPr lang="en-US" dirty="0"/>
-              <a:t>Application</a:t>
+              <a:t>Logistic Regression</a:t>
             </a:r>
           </a:p>
         </p:txBody>
@@ -6259,7 +6276,7 @@
           <p:cNvPr id="3" name="Content Placeholder 2">
             <a:extLst>
               <a:ext uri="{FF2B5EF4-FFF2-40B4-BE49-F238E27FC236}">
-                <a16:creationId xmlns:a16="http://schemas.microsoft.com/office/drawing/2014/main" id="{BEFD5B42-07C8-469E-B4D5-B85E4E9F0094}"/>
+                <a16:creationId xmlns:a16="http://schemas.microsoft.com/office/drawing/2014/main" xmlns="" id="{BAD2286E-B042-4B22-A2D1-B6F44A3F6E0B}"/>
               </a:ext>
             </a:extLst>
           </p:cNvPr>
@@ -6272,53 +6289,20 @@
         </p:nvSpPr>
         <p:spPr/>
         <p:txBody>
-          <a:bodyPr/>
-          <a:lstStyle/>
-          <a:p>
-            <a:r>
-              <a:rPr lang="en-US" dirty="0"/>
-              <a:t>We chose the 2</a:t>
-            </a:r>
-            <a:r>
-              <a:rPr lang="en-US" baseline="30000" dirty="0"/>
-              <a:t>nd</a:t>
-            </a:r>
-            <a:r>
-              <a:rPr lang="en-US" dirty="0"/>
-              <a:t> phase Logistic Classifier for our final application.</a:t>
-            </a:r>
-          </a:p>
-          <a:p>
-            <a:r>
-              <a:rPr lang="en-US" dirty="0"/>
-              <a:t>We implemented a demo app using python and the </a:t>
-            </a:r>
-            <a:r>
-              <a:rPr lang="en-US" dirty="0" err="1"/>
-              <a:t>PyQt</a:t>
-            </a:r>
-            <a:r>
-              <a:rPr lang="en-US" dirty="0"/>
-              <a:t> toolkit.</a:t>
-            </a:r>
-          </a:p>
-          <a:p>
-            <a:r>
-              <a:rPr lang="en-US" dirty="0"/>
-              <a:t>Using the app starts with a short training session:</a:t>
-            </a:r>
-          </a:p>
-          <a:p>
-            <a:pPr lvl="1"/>
-            <a:r>
-              <a:rPr lang="en-US" dirty="0"/>
-              <a:t>The user expresses a neutral expression to calibrate his/her neutral feature vector.</a:t>
-            </a:r>
-          </a:p>
-          <a:p>
-            <a:r>
-              <a:rPr lang="en-US" dirty="0"/>
-              <a:t>Then, the app will continuously monitor the user’s face, extract landmarks, calculates features, and classify his/her expressed emotion.</a:t>
+          <a:bodyPr>
+            <a:normAutofit/>
+          </a:bodyPr>
+          <a:lstStyle/>
+          <a:p>
+            <a:r>
+              <a:rPr lang="en-US" sz="2400" dirty="0"/>
+              <a:t>Again, cross validation yielded 0.1 as the best value for the C parameter.</a:t>
+            </a:r>
+          </a:p>
+          <a:p>
+            <a:r>
+              <a:rPr lang="en-US" sz="2400" dirty="0"/>
+              <a:t>85% accuracy.</a:t>
             </a:r>
           </a:p>
         </p:txBody>
@@ -6326,7 +6310,7 @@
     </p:spTree>
     <p:extLst>
       <p:ext uri="{BB962C8B-B14F-4D97-AF65-F5344CB8AC3E}">
-        <p14:creationId xmlns:p14="http://schemas.microsoft.com/office/powerpoint/2010/main" val="1232410380"/>
+        <p14:creationId xmlns:p14="http://schemas.microsoft.com/office/powerpoint/2010/main" xmlns="" val="841278546"/>
       </p:ext>
     </p:extLst>
   </p:cSld>
@@ -6358,7 +6342,7 @@
           <p:cNvPr id="2" name="Title 1">
             <a:extLst>
               <a:ext uri="{FF2B5EF4-FFF2-40B4-BE49-F238E27FC236}">
-                <a16:creationId xmlns:a16="http://schemas.microsoft.com/office/drawing/2014/main" id="{C0CE3699-A2CB-406B-87D8-7500C30550D0}"/>
+                <a16:creationId xmlns:a16="http://schemas.microsoft.com/office/drawing/2014/main" xmlns="" id="{8B92F4F9-DE1E-4EE4-8C06-FE5C9C51B724}"/>
               </a:ext>
             </a:extLst>
           </p:cNvPr>
@@ -6376,20 +6360,14 @@
           <a:p>
             <a:r>
               <a:rPr lang="en-US" dirty="0"/>
-              <a:t>Optimization</a:t>
-            </a:r>
-          </a:p>
-        </p:txBody>
-      </p:sp>
-      <p:sp>
-        <p:nvSpPr>
-          <p:cNvPr id="3" name="Content Placeholder 2">
-            <a:extLst>
-              <a:ext uri="{FF2B5EF4-FFF2-40B4-BE49-F238E27FC236}">
-                <a16:creationId xmlns:a16="http://schemas.microsoft.com/office/drawing/2014/main" id="{AC84BA8E-1169-462B-B31E-EA9835D96672}"/>
-              </a:ext>
-            </a:extLst>
-          </p:cNvPr>
+              <a:t>MLP Classifier</a:t>
+            </a:r>
+          </a:p>
+        </p:txBody>
+      </p:sp>
+      <p:sp>
+        <p:nvSpPr>
+          <p:cNvPr id="4" name="מציין מיקום תוכן 3"/>
           <p:cNvSpPr>
             <a:spLocks noGrp="1"/>
           </p:cNvSpPr>
@@ -6399,31 +6377,29 @@
         </p:nvSpPr>
         <p:spPr/>
         <p:txBody>
-          <a:bodyPr/>
-          <a:lstStyle/>
-          <a:p>
-            <a:r>
-              <a:rPr lang="en-US" dirty="0"/>
-              <a:t>Calculating features for every single frame can be heavy.</a:t>
-            </a:r>
-          </a:p>
-          <a:p>
-            <a:r>
-              <a:rPr lang="en-US" dirty="0"/>
-              <a:t>To improve performance, we choose “important” frames to calculate </a:t>
-            </a:r>
-            <a:r>
-              <a:rPr lang="en-US"/>
-              <a:t>features from.</a:t>
-            </a:r>
-            <a:endParaRPr lang="en-US" dirty="0"/>
+          <a:bodyPr>
+            <a:normAutofit/>
+          </a:bodyPr>
+          <a:lstStyle/>
+          <a:p>
+            <a:r>
+              <a:rPr lang="en-US" sz="2400" dirty="0" smtClean="0"/>
+              <a:t>Cross  validation yields 1 as the best value of the alpha parameter.</a:t>
+            </a:r>
+          </a:p>
+          <a:p>
+            <a:r>
+              <a:rPr lang="en-US" sz="2400" dirty="0" smtClean="0"/>
+              <a:t>85% accuracy</a:t>
+            </a:r>
+            <a:endParaRPr lang="he-IL" sz="2400" dirty="0"/>
           </a:p>
         </p:txBody>
       </p:sp>
     </p:spTree>
     <p:extLst>
       <p:ext uri="{BB962C8B-B14F-4D97-AF65-F5344CB8AC3E}">
-        <p14:creationId xmlns:p14="http://schemas.microsoft.com/office/powerpoint/2010/main" val="1441014799"/>
+        <p14:creationId xmlns:p14="http://schemas.microsoft.com/office/powerpoint/2010/main" xmlns="" val="4059623033"/>
       </p:ext>
     </p:extLst>
   </p:cSld>
@@ -6455,7 +6431,7 @@
           <p:cNvPr id="2" name="Title 1">
             <a:extLst>
               <a:ext uri="{FF2B5EF4-FFF2-40B4-BE49-F238E27FC236}">
-                <a16:creationId xmlns:a16="http://schemas.microsoft.com/office/drawing/2014/main" id="{D47D37E9-5C04-41AD-AC64-4BD264042ED0}"/>
+                <a16:creationId xmlns:a16="http://schemas.microsoft.com/office/drawing/2014/main" xmlns="" id="{F4FC7EC2-C2F5-4AF8-A455-895099A5E631}"/>
               </a:ext>
             </a:extLst>
           </p:cNvPr>
@@ -6473,7 +6449,7 @@
           <a:p>
             <a:r>
               <a:rPr lang="en-US" dirty="0"/>
-              <a:t>Resources</a:t>
+              <a:t>Application</a:t>
             </a:r>
           </a:p>
         </p:txBody>
@@ -6483,7 +6459,7 @@
           <p:cNvPr id="3" name="Content Placeholder 2">
             <a:extLst>
               <a:ext uri="{FF2B5EF4-FFF2-40B4-BE49-F238E27FC236}">
-                <a16:creationId xmlns:a16="http://schemas.microsoft.com/office/drawing/2014/main" id="{EA3A215C-61B1-4F9A-8237-CDF278EFBED2}"/>
+                <a16:creationId xmlns:a16="http://schemas.microsoft.com/office/drawing/2014/main" xmlns="" id="{BEFD5B42-07C8-469E-B4D5-B85E4E9F0094}"/>
               </a:ext>
             </a:extLst>
           </p:cNvPr>
@@ -6496,59 +6472,63 @@
         </p:nvSpPr>
         <p:spPr/>
         <p:txBody>
-          <a:bodyPr/>
-          <a:lstStyle/>
-          <a:p>
-            <a:r>
-              <a:rPr lang="en-US" dirty="0">
-                <a:hlinkClick r:id="rId2"/>
-              </a:rPr>
-              <a:t>http://www.rightattitudes.com/2008/10/04/7-38-55-rule-personal-communication/</a:t>
-            </a:r>
-            <a:endParaRPr lang="en-US" dirty="0"/>
-          </a:p>
-          <a:p>
-            <a:r>
-              <a:rPr lang="en-US" dirty="0">
-                <a:hlinkClick r:id="rId3"/>
-              </a:rPr>
-              <a:t>https://arxiv.org/pdf/1708.03985.pdf</a:t>
-            </a:r>
-            <a:endParaRPr lang="en-US" dirty="0"/>
-          </a:p>
-          <a:p>
-            <a:r>
-              <a:rPr lang="en-US" dirty="0">
-                <a:hlinkClick r:id="rId4"/>
-              </a:rPr>
-              <a:t>https://ieeexplore.ieee.org/document/5543262/</a:t>
-            </a:r>
-            <a:endParaRPr lang="en-US" dirty="0"/>
-          </a:p>
-          <a:p>
-            <a:r>
-              <a:rPr lang="en-US" dirty="0">
-                <a:hlinkClick r:id="rId5"/>
-              </a:rPr>
-              <a:t>https://mug.ee.auth.gr/fed/</a:t>
-            </a:r>
-            <a:endParaRPr lang="en-US" dirty="0"/>
-          </a:p>
-          <a:p>
-            <a:r>
-              <a:rPr lang="en-US" dirty="0">
-                <a:hlinkClick r:id="rId6"/>
-              </a:rPr>
-              <a:t>http://www.oulu.fi/cmvs/node/41316</a:t>
-            </a:r>
-            <a:endParaRPr lang="en-US" dirty="0"/>
+          <a:bodyPr>
+            <a:normAutofit/>
+          </a:bodyPr>
+          <a:lstStyle/>
+          <a:p>
+            <a:r>
+              <a:rPr lang="en-US" sz="2400" dirty="0"/>
+              <a:t>We chose the 2</a:t>
+            </a:r>
+            <a:r>
+              <a:rPr lang="en-US" sz="2400" baseline="30000" dirty="0"/>
+              <a:t>nd</a:t>
+            </a:r>
+            <a:r>
+              <a:rPr lang="en-US" sz="2400" dirty="0"/>
+              <a:t> phase Logistic Classifier for our final application.</a:t>
+            </a:r>
+          </a:p>
+          <a:p>
+            <a:r>
+              <a:rPr lang="en-US" sz="2400" dirty="0"/>
+              <a:t>We implemented a demo app using python and the </a:t>
+            </a:r>
+            <a:r>
+              <a:rPr lang="en-US" sz="2400" dirty="0" err="1"/>
+              <a:t>PyQt</a:t>
+            </a:r>
+            <a:r>
+              <a:rPr lang="en-US" sz="2400" dirty="0"/>
+              <a:t> toolkit.</a:t>
+            </a:r>
+          </a:p>
+          <a:p>
+            <a:r>
+              <a:rPr lang="en-US" sz="2400" dirty="0"/>
+              <a:t>Using the app starts with a short training session:</a:t>
+            </a:r>
+          </a:p>
+          <a:p>
+            <a:pPr lvl="1"/>
+            <a:r>
+              <a:rPr lang="en-US" sz="2000" dirty="0"/>
+              <a:t>The user expresses a neutral expression to calibrate his/her neutral feature vector.</a:t>
+            </a:r>
+          </a:p>
+          <a:p>
+            <a:r>
+              <a:rPr lang="en-US" sz="2400" dirty="0"/>
+              <a:t>Then, the app will continuously monitor the user’s face, extract landmarks, calculates features, and classify his/her expressed emotion.</a:t>
+            </a:r>
           </a:p>
         </p:txBody>
       </p:sp>
     </p:spTree>
     <p:extLst>
       <p:ext uri="{BB962C8B-B14F-4D97-AF65-F5344CB8AC3E}">
-        <p14:creationId xmlns:p14="http://schemas.microsoft.com/office/powerpoint/2010/main" val="3762672599"/>
+        <p14:creationId xmlns:p14="http://schemas.microsoft.com/office/powerpoint/2010/main" xmlns="" val="1232410380"/>
       </p:ext>
     </p:extLst>
   </p:cSld>
@@ -6580,7 +6560,7 @@
           <p:cNvPr id="2" name="Title 1">
             <a:extLst>
               <a:ext uri="{FF2B5EF4-FFF2-40B4-BE49-F238E27FC236}">
-                <a16:creationId xmlns:a16="http://schemas.microsoft.com/office/drawing/2014/main" id="{E9C47CF9-BF99-417F-AEA4-206966A0D3CF}"/>
+                <a16:creationId xmlns:a16="http://schemas.microsoft.com/office/drawing/2014/main" xmlns="" id="{E9C47CF9-BF99-417F-AEA4-206966A0D3CF}"/>
               </a:ext>
             </a:extLst>
           </p:cNvPr>
@@ -6608,7 +6588,7 @@
           <p:cNvPr id="3" name="Content Placeholder 2">
             <a:extLst>
               <a:ext uri="{FF2B5EF4-FFF2-40B4-BE49-F238E27FC236}">
-                <a16:creationId xmlns:a16="http://schemas.microsoft.com/office/drawing/2014/main" id="{CF0EF8E8-61D4-4772-B224-257D3E7B5856}"/>
+                <a16:creationId xmlns:a16="http://schemas.microsoft.com/office/drawing/2014/main" xmlns="" id="{CF0EF8E8-61D4-4772-B224-257D3E7B5856}"/>
               </a:ext>
             </a:extLst>
           </p:cNvPr>
@@ -6625,26 +6605,26 @@
           <a:lstStyle/>
           <a:p>
             <a:r>
-              <a:rPr lang="en-US" dirty="0"/>
+              <a:rPr lang="en-US" sz="2400" dirty="0"/>
               <a:t>Communication with machines is a part of our everyday life.</a:t>
             </a:r>
           </a:p>
           <a:p>
             <a:r>
-              <a:rPr lang="en-US" dirty="0"/>
+              <a:rPr lang="en-US" sz="2400" dirty="0"/>
               <a:t>Humans communicate with each other with more than just words, but with body language too.</a:t>
             </a:r>
           </a:p>
           <a:p>
             <a:pPr lvl="1"/>
             <a:r>
-              <a:rPr lang="en-US" dirty="0"/>
+              <a:rPr lang="en-US" sz="2000" dirty="0"/>
               <a:t>In fact, studies show that body language is the most significant component of personal communication.</a:t>
             </a:r>
           </a:p>
           <a:p>
             <a:r>
-              <a:rPr lang="en-US" dirty="0"/>
+              <a:rPr lang="en-US" sz="2400" dirty="0"/>
               <a:t>What if we could communicate with machines using facial expressions?</a:t>
             </a:r>
           </a:p>
@@ -6653,7 +6633,283 @@
     </p:spTree>
     <p:extLst>
       <p:ext uri="{BB962C8B-B14F-4D97-AF65-F5344CB8AC3E}">
-        <p14:creationId xmlns:p14="http://schemas.microsoft.com/office/powerpoint/2010/main" val="3845035048"/>
+        <p14:creationId xmlns:p14="http://schemas.microsoft.com/office/powerpoint/2010/main" xmlns="" val="3845035048"/>
+      </p:ext>
+    </p:extLst>
+  </p:cSld>
+  <p:clrMapOvr>
+    <a:masterClrMapping/>
+  </p:clrMapOvr>
+</p:sld>
+</file>
+
+<file path=ppt/slides/slide20.xml><?xml version="1.0" encoding="utf-8"?>
+<p:sld xmlns:a="http://schemas.openxmlformats.org/drawingml/2006/main" xmlns:r="http://schemas.openxmlformats.org/officeDocument/2006/relationships" xmlns:p="http://schemas.openxmlformats.org/presentationml/2006/main">
+  <p:cSld>
+    <p:spTree>
+      <p:nvGrpSpPr>
+        <p:cNvPr id="1" name=""/>
+        <p:cNvGrpSpPr/>
+        <p:nvPr/>
+      </p:nvGrpSpPr>
+      <p:grpSpPr>
+        <a:xfrm>
+          <a:off x="0" y="0"/>
+          <a:ext cx="0" cy="0"/>
+          <a:chOff x="0" y="0"/>
+          <a:chExt cx="0" cy="0"/>
+        </a:xfrm>
+      </p:grpSpPr>
+      <p:sp>
+        <p:nvSpPr>
+          <p:cNvPr id="2" name="Title 1">
+            <a:extLst>
+              <a:ext uri="{FF2B5EF4-FFF2-40B4-BE49-F238E27FC236}">
+                <a16:creationId xmlns:a16="http://schemas.microsoft.com/office/drawing/2014/main" xmlns="" id="{C0CE3699-A2CB-406B-87D8-7500C30550D0}"/>
+              </a:ext>
+            </a:extLst>
+          </p:cNvPr>
+          <p:cNvSpPr>
+            <a:spLocks noGrp="1"/>
+          </p:cNvSpPr>
+          <p:nvPr>
+            <p:ph type="title"/>
+          </p:nvPr>
+        </p:nvSpPr>
+        <p:spPr/>
+        <p:txBody>
+          <a:bodyPr/>
+          <a:lstStyle/>
+          <a:p>
+            <a:r>
+              <a:rPr lang="en-US" dirty="0"/>
+              <a:t>Optimization</a:t>
+            </a:r>
+          </a:p>
+        </p:txBody>
+      </p:sp>
+      <p:sp>
+        <p:nvSpPr>
+          <p:cNvPr id="3" name="Content Placeholder 2">
+            <a:extLst>
+              <a:ext uri="{FF2B5EF4-FFF2-40B4-BE49-F238E27FC236}">
+                <a16:creationId xmlns:a16="http://schemas.microsoft.com/office/drawing/2014/main" xmlns="" id="{AC84BA8E-1169-462B-B31E-EA9835D96672}"/>
+              </a:ext>
+            </a:extLst>
+          </p:cNvPr>
+          <p:cNvSpPr>
+            <a:spLocks noGrp="1"/>
+          </p:cNvSpPr>
+          <p:nvPr>
+            <p:ph idx="1"/>
+          </p:nvPr>
+        </p:nvSpPr>
+        <p:spPr/>
+        <p:txBody>
+          <a:bodyPr>
+            <a:normAutofit lnSpcReduction="10000"/>
+          </a:bodyPr>
+          <a:lstStyle/>
+          <a:p>
+            <a:r>
+              <a:rPr lang="en-US" sz="2400" dirty="0"/>
+              <a:t>Calculating features for every single frame can be heavy.</a:t>
+            </a:r>
+          </a:p>
+          <a:p>
+            <a:r>
+              <a:rPr lang="en-US" sz="2400" dirty="0"/>
+              <a:t>To improve performance, we choose “important” frames to calculate features from</a:t>
+            </a:r>
+            <a:r>
+              <a:rPr lang="en-US" sz="2400" dirty="0" smtClean="0"/>
+              <a:t>.</a:t>
+            </a:r>
+          </a:p>
+          <a:p>
+            <a:r>
+              <a:rPr lang="en-US" sz="2400" dirty="0" smtClean="0"/>
+              <a:t>“Important“ frame is a frame which </a:t>
+            </a:r>
+            <a:r>
+              <a:rPr lang="en-US" sz="2400" dirty="0" smtClean="0"/>
+              <a:t>is </a:t>
+            </a:r>
+            <a:r>
+              <a:rPr lang="en-US" sz="2400" dirty="0" smtClean="0"/>
+              <a:t>suspected to have an emotion change.</a:t>
+            </a:r>
+          </a:p>
+          <a:p>
+            <a:r>
+              <a:rPr lang="en-US" sz="2400" dirty="0" smtClean="0"/>
+              <a:t>For each frame we calculate a vector of Euclidian distances between all landmarks. Then we calculate </a:t>
+            </a:r>
+            <a:r>
+              <a:rPr lang="en-US" sz="2400" dirty="0" smtClean="0"/>
+              <a:t>the Euclidian </a:t>
+            </a:r>
+            <a:r>
+              <a:rPr lang="en-US" sz="2400" dirty="0" smtClean="0"/>
+              <a:t>distance between the frame’s vector and the previous “interesting” frame’s vector.</a:t>
+            </a:r>
+            <a:endParaRPr lang="en-US" sz="2400" dirty="0"/>
+          </a:p>
+        </p:txBody>
+      </p:sp>
+    </p:spTree>
+    <p:extLst>
+      <p:ext uri="{BB962C8B-B14F-4D97-AF65-F5344CB8AC3E}">
+        <p14:creationId xmlns:p14="http://schemas.microsoft.com/office/powerpoint/2010/main" xmlns="" val="1441014799"/>
+      </p:ext>
+    </p:extLst>
+  </p:cSld>
+  <p:clrMapOvr>
+    <a:masterClrMapping/>
+  </p:clrMapOvr>
+</p:sld>
+</file>
+
+<file path=ppt/slides/slide21.xml><?xml version="1.0" encoding="utf-8"?>
+<p:sld xmlns:a="http://schemas.openxmlformats.org/drawingml/2006/main" xmlns:r="http://schemas.openxmlformats.org/officeDocument/2006/relationships" xmlns:p="http://schemas.openxmlformats.org/presentationml/2006/main">
+  <p:cSld>
+    <p:spTree>
+      <p:nvGrpSpPr>
+        <p:cNvPr id="1" name=""/>
+        <p:cNvGrpSpPr/>
+        <p:nvPr/>
+      </p:nvGrpSpPr>
+      <p:grpSpPr>
+        <a:xfrm>
+          <a:off x="0" y="0"/>
+          <a:ext cx="0" cy="0"/>
+          <a:chOff x="0" y="0"/>
+          <a:chExt cx="0" cy="0"/>
+        </a:xfrm>
+      </p:grpSpPr>
+      <p:sp>
+        <p:nvSpPr>
+          <p:cNvPr id="2" name="Title 1">
+            <a:extLst>
+              <a:ext uri="{FF2B5EF4-FFF2-40B4-BE49-F238E27FC236}">
+                <a16:creationId xmlns:a16="http://schemas.microsoft.com/office/drawing/2014/main" xmlns="" id="{D47D37E9-5C04-41AD-AC64-4BD264042ED0}"/>
+              </a:ext>
+            </a:extLst>
+          </p:cNvPr>
+          <p:cNvSpPr>
+            <a:spLocks noGrp="1"/>
+          </p:cNvSpPr>
+          <p:nvPr>
+            <p:ph type="title"/>
+          </p:nvPr>
+        </p:nvSpPr>
+        <p:spPr/>
+        <p:txBody>
+          <a:bodyPr/>
+          <a:lstStyle/>
+          <a:p>
+            <a:r>
+              <a:rPr lang="en-US" dirty="0"/>
+              <a:t>Resources</a:t>
+            </a:r>
+          </a:p>
+        </p:txBody>
+      </p:sp>
+      <p:sp>
+        <p:nvSpPr>
+          <p:cNvPr id="3" name="Content Placeholder 2">
+            <a:extLst>
+              <a:ext uri="{FF2B5EF4-FFF2-40B4-BE49-F238E27FC236}">
+                <a16:creationId xmlns:a16="http://schemas.microsoft.com/office/drawing/2014/main" xmlns="" id="{EA3A215C-61B1-4F9A-8237-CDF278EFBED2}"/>
+              </a:ext>
+            </a:extLst>
+          </p:cNvPr>
+          <p:cNvSpPr>
+            <a:spLocks noGrp="1"/>
+          </p:cNvSpPr>
+          <p:nvPr>
+            <p:ph idx="1"/>
+          </p:nvPr>
+        </p:nvSpPr>
+        <p:spPr/>
+        <p:txBody>
+          <a:bodyPr/>
+          <a:lstStyle/>
+          <a:p>
+            <a:r>
+              <a:rPr lang="en-US" dirty="0">
+                <a:hlinkClick r:id="rId2"/>
+              </a:rPr>
+              <a:t>http://www.rightattitudes.com/2008/10/04/7-38-55-rule-personal-communication/</a:t>
+            </a:r>
+            <a:endParaRPr lang="en-US" dirty="0"/>
+          </a:p>
+          <a:p>
+            <a:r>
+              <a:rPr lang="en-US" dirty="0">
+                <a:hlinkClick r:id="rId3"/>
+              </a:rPr>
+              <a:t>https://arxiv.org/pdf/1708.03985.pdf</a:t>
+            </a:r>
+            <a:endParaRPr lang="en-US" dirty="0"/>
+          </a:p>
+          <a:p>
+            <a:r>
+              <a:rPr lang="en-US" dirty="0">
+                <a:hlinkClick r:id="rId4"/>
+              </a:rPr>
+              <a:t>https://ieeexplore.ieee.org/document/5543262/</a:t>
+            </a:r>
+            <a:endParaRPr lang="en-US" dirty="0"/>
+          </a:p>
+          <a:p>
+            <a:r>
+              <a:rPr lang="en-US" dirty="0">
+                <a:hlinkClick r:id="rId5"/>
+              </a:rPr>
+              <a:t>https://mug.ee.auth.gr/fed/</a:t>
+            </a:r>
+            <a:endParaRPr lang="en-US" dirty="0"/>
+          </a:p>
+          <a:p>
+            <a:r>
+              <a:rPr lang="en-US" dirty="0">
+                <a:hlinkClick r:id="rId6"/>
+              </a:rPr>
+              <a:t>http://</a:t>
+            </a:r>
+            <a:r>
+              <a:rPr lang="en-US" dirty="0" smtClean="0">
+                <a:hlinkClick r:id="rId6"/>
+              </a:rPr>
+              <a:t>www.oulu.fi/cmvs/node/41316</a:t>
+            </a:r>
+            <a:endParaRPr lang="en-US" dirty="0" smtClean="0"/>
+          </a:p>
+          <a:p>
+            <a:r>
+              <a:rPr lang="en-US" dirty="0" smtClean="0">
+                <a:hlinkClick r:id="rId7"/>
+              </a:rPr>
+              <a:t>https://www.paulekman.com/universal-facial-expressions</a:t>
+            </a:r>
+            <a:r>
+              <a:rPr lang="en-US" dirty="0" smtClean="0">
+                <a:hlinkClick r:id="rId7"/>
+              </a:rPr>
+              <a:t>/</a:t>
+            </a:r>
+            <a:endParaRPr lang="en-US" dirty="0" smtClean="0"/>
+          </a:p>
+          <a:p>
+            <a:endParaRPr lang="en-US" dirty="0"/>
+          </a:p>
+        </p:txBody>
+      </p:sp>
+    </p:spTree>
+    <p:extLst>
+      <p:ext uri="{BB962C8B-B14F-4D97-AF65-F5344CB8AC3E}">
+        <p14:creationId xmlns:p14="http://schemas.microsoft.com/office/powerpoint/2010/main" xmlns="" val="3762672599"/>
       </p:ext>
     </p:extLst>
   </p:cSld>
@@ -6685,7 +6941,7 @@
           <p:cNvPr id="2" name="Title 1">
             <a:extLst>
               <a:ext uri="{FF2B5EF4-FFF2-40B4-BE49-F238E27FC236}">
-                <a16:creationId xmlns:a16="http://schemas.microsoft.com/office/drawing/2014/main" id="{9138411D-C86F-4C4D-9984-07700EF7AEC7}"/>
+                <a16:creationId xmlns:a16="http://schemas.microsoft.com/office/drawing/2014/main" xmlns="" id="{9138411D-C86F-4C4D-9984-07700EF7AEC7}"/>
               </a:ext>
             </a:extLst>
           </p:cNvPr>
@@ -6713,7 +6969,7 @@
           <p:cNvPr id="3" name="Content Placeholder 2">
             <a:extLst>
               <a:ext uri="{FF2B5EF4-FFF2-40B4-BE49-F238E27FC236}">
-                <a16:creationId xmlns:a16="http://schemas.microsoft.com/office/drawing/2014/main" id="{3A8356DB-1933-464D-8EC7-8010CB5E2B6E}"/>
+                <a16:creationId xmlns:a16="http://schemas.microsoft.com/office/drawing/2014/main" xmlns="" id="{3A8356DB-1933-464D-8EC7-8010CB5E2B6E}"/>
               </a:ext>
             </a:extLst>
           </p:cNvPr>
@@ -6726,17 +6982,19 @@
         </p:nvSpPr>
         <p:spPr/>
         <p:txBody>
-          <a:bodyPr/>
-          <a:lstStyle/>
-          <a:p>
-            <a:r>
-              <a:rPr lang="en-US" dirty="0"/>
+          <a:bodyPr>
+            <a:normAutofit/>
+          </a:bodyPr>
+          <a:lstStyle/>
+          <a:p>
+            <a:r>
+              <a:rPr lang="en-US" sz="2400" dirty="0"/>
               <a:t>Based on a given facial expression, identify the expressed emotion.</a:t>
             </a:r>
           </a:p>
           <a:p>
             <a:r>
-              <a:rPr lang="en-US" dirty="0"/>
+              <a:rPr lang="en-US" sz="2400" dirty="0"/>
               <a:t>Use that information to play a suitable playlist.</a:t>
             </a:r>
           </a:p>
@@ -6745,7 +7003,7 @@
     </p:spTree>
     <p:extLst>
       <p:ext uri="{BB962C8B-B14F-4D97-AF65-F5344CB8AC3E}">
-        <p14:creationId xmlns:p14="http://schemas.microsoft.com/office/powerpoint/2010/main" val="938453059"/>
+        <p14:creationId xmlns:p14="http://schemas.microsoft.com/office/powerpoint/2010/main" xmlns="" val="938453059"/>
       </p:ext>
     </p:extLst>
   </p:cSld>
@@ -6777,7 +7035,7 @@
           <p:cNvPr id="2" name="Title 1">
             <a:extLst>
               <a:ext uri="{FF2B5EF4-FFF2-40B4-BE49-F238E27FC236}">
-                <a16:creationId xmlns:a16="http://schemas.microsoft.com/office/drawing/2014/main" id="{E20F23B9-C16A-4F8F-AD49-194DD3B5BD32}"/>
+                <a16:creationId xmlns:a16="http://schemas.microsoft.com/office/drawing/2014/main" xmlns="" id="{E20F23B9-C16A-4F8F-AD49-194DD3B5BD32}"/>
               </a:ext>
             </a:extLst>
           </p:cNvPr>
@@ -6805,7 +7063,7 @@
           <p:cNvPr id="3" name="Content Placeholder 2">
             <a:extLst>
               <a:ext uri="{FF2B5EF4-FFF2-40B4-BE49-F238E27FC236}">
-                <a16:creationId xmlns:a16="http://schemas.microsoft.com/office/drawing/2014/main" id="{3E5A0FCE-1898-478A-97A5-FA45978464FA}"/>
+                <a16:creationId xmlns:a16="http://schemas.microsoft.com/office/drawing/2014/main" xmlns="" id="{3E5A0FCE-1898-478A-97A5-FA45978464FA}"/>
               </a:ext>
             </a:extLst>
           </p:cNvPr>
@@ -6822,20 +7080,75 @@
           <a:lstStyle/>
           <a:p>
             <a:r>
-              <a:rPr lang="en-US" dirty="0"/>
+              <a:rPr lang="en-US" sz="2400" dirty="0"/>
               <a:t>Use machine learning to train an emotion classifier.</a:t>
             </a:r>
           </a:p>
           <a:p>
             <a:pPr lvl="1"/>
             <a:r>
-              <a:rPr lang="en-US" dirty="0"/>
-              <a:t>We want to classify the following emotions: neutral, happiness, sadness, surprise, fear, disgust, anger, and contempt.</a:t>
-            </a:r>
-          </a:p>
-          <a:p>
-            <a:r>
-              <a:rPr lang="en-US" dirty="0"/>
+              <a:rPr lang="en-US" sz="2000" dirty="0"/>
+              <a:t>We want to classify the following emotions: </a:t>
+            </a:r>
+            <a:endParaRPr lang="en-US" sz="2000" dirty="0" smtClean="0"/>
+          </a:p>
+          <a:p>
+            <a:pPr lvl="1">
+              <a:buNone/>
+            </a:pPr>
+            <a:r>
+              <a:rPr lang="en-US" sz="2000" dirty="0" smtClean="0"/>
+              <a:t>	</a:t>
+            </a:r>
+            <a:r>
+              <a:rPr lang="en-US" sz="2000" dirty="0" smtClean="0"/>
+              <a:t>Neutral</a:t>
+            </a:r>
+            <a:r>
+              <a:rPr lang="en-US" sz="2000" dirty="0"/>
+              <a:t>, </a:t>
+            </a:r>
+            <a:r>
+              <a:rPr lang="en-US" sz="2000" dirty="0" smtClean="0"/>
+              <a:t>Happiness</a:t>
+            </a:r>
+            <a:r>
+              <a:rPr lang="en-US" sz="2000" dirty="0"/>
+              <a:t>, </a:t>
+            </a:r>
+            <a:r>
+              <a:rPr lang="en-US" sz="2000" dirty="0" smtClean="0"/>
+              <a:t>Sadness</a:t>
+            </a:r>
+            <a:r>
+              <a:rPr lang="en-US" sz="2000" dirty="0"/>
+              <a:t>, </a:t>
+            </a:r>
+            <a:r>
+              <a:rPr lang="en-US" sz="2000" dirty="0" smtClean="0"/>
+              <a:t>Surprise</a:t>
+            </a:r>
+            <a:r>
+              <a:rPr lang="en-US" sz="2000" dirty="0"/>
+              <a:t>, </a:t>
+            </a:r>
+            <a:r>
+              <a:rPr lang="en-US" sz="2000" dirty="0" smtClean="0"/>
+              <a:t>Fear</a:t>
+            </a:r>
+            <a:r>
+              <a:rPr lang="en-US" sz="2000" dirty="0"/>
+              <a:t>, </a:t>
+            </a:r>
+            <a:r>
+              <a:rPr lang="en-US" sz="2000" dirty="0" smtClean="0"/>
+              <a:t>Disgust  and Anger.</a:t>
+            </a:r>
+            <a:endParaRPr lang="en-US" sz="2000" dirty="0"/>
+          </a:p>
+          <a:p>
+            <a:r>
+              <a:rPr lang="en-US" sz="2400" dirty="0"/>
               <a:t>For that, we need to collect data, train a classifier, and test the results.</a:t>
             </a:r>
           </a:p>
@@ -6844,7 +7157,7 @@
     </p:spTree>
     <p:extLst>
       <p:ext uri="{BB962C8B-B14F-4D97-AF65-F5344CB8AC3E}">
-        <p14:creationId xmlns:p14="http://schemas.microsoft.com/office/powerpoint/2010/main" val="1101218052"/>
+        <p14:creationId xmlns:p14="http://schemas.microsoft.com/office/powerpoint/2010/main" xmlns="" val="1101218052"/>
       </p:ext>
     </p:extLst>
   </p:cSld>
@@ -6873,13 +7186,7 @@
       </p:grpSpPr>
       <p:sp>
         <p:nvSpPr>
-          <p:cNvPr id="2" name="Title 1">
-            <a:extLst>
-              <a:ext uri="{FF2B5EF4-FFF2-40B4-BE49-F238E27FC236}">
-                <a16:creationId xmlns:a16="http://schemas.microsoft.com/office/drawing/2014/main" id="{6BDA4003-6A56-4EF8-BEEF-3D8FACC03DC1}"/>
-              </a:ext>
-            </a:extLst>
-          </p:cNvPr>
+          <p:cNvPr id="2" name="כותרת 1"/>
           <p:cNvSpPr>
             <a:spLocks noGrp="1"/>
           </p:cNvSpPr>
@@ -6893,21 +7200,20 @@
           <a:lstStyle/>
           <a:p>
             <a:r>
-              <a:rPr lang="en-US" dirty="0"/>
-              <a:t>Data Description</a:t>
-            </a:r>
-          </a:p>
-        </p:txBody>
-      </p:sp>
-      <p:sp>
-        <p:nvSpPr>
-          <p:cNvPr id="3" name="Content Placeholder 2">
-            <a:extLst>
-              <a:ext uri="{FF2B5EF4-FFF2-40B4-BE49-F238E27FC236}">
-                <a16:creationId xmlns:a16="http://schemas.microsoft.com/office/drawing/2014/main" id="{36279A8E-9A97-4A7B-8971-FE79DF47FDA4}"/>
-              </a:ext>
-            </a:extLst>
-          </p:cNvPr>
+              <a:rPr lang="en-US" dirty="0" smtClean="0"/>
+              <a:t>Are There Universal Facial Expressions</a:t>
+            </a:r>
+            <a:r>
+              <a:rPr lang="en-US" dirty="0" smtClean="0"/>
+              <a:t>?</a:t>
+            </a:r>
+            <a:endParaRPr lang="he-IL" dirty="0"/>
+          </a:p>
+        </p:txBody>
+      </p:sp>
+      <p:sp>
+        <p:nvSpPr>
+          <p:cNvPr id="3" name="מציין מיקום תוכן 2"/>
           <p:cNvSpPr>
             <a:spLocks noGrp="1"/>
           </p:cNvSpPr>
@@ -6921,50 +7227,70 @@
           <a:lstStyle/>
           <a:p>
             <a:r>
-              <a:rPr lang="en-US" dirty="0"/>
-              <a:t>The data we used is comprised of pictures of people faces.</a:t>
-            </a:r>
-          </a:p>
-          <a:p>
-            <a:r>
-              <a:rPr lang="en-US" dirty="0"/>
-              <a:t>The faces in the pictures express various emotions.</a:t>
-            </a:r>
-          </a:p>
-          <a:p>
-            <a:r>
-              <a:rPr lang="en-US" dirty="0"/>
-              <a:t>We dealt with two types of samples:</a:t>
+              <a:rPr lang="en-US" sz="2400" dirty="0" smtClean="0"/>
+              <a:t>According to Paul </a:t>
+            </a:r>
+            <a:r>
+              <a:rPr lang="en-US" sz="2400" dirty="0" err="1" smtClean="0"/>
+              <a:t>Ekman</a:t>
+            </a:r>
+            <a:r>
+              <a:rPr lang="en-US" sz="2400" dirty="0" smtClean="0"/>
+              <a:t>, there are six basic </a:t>
+            </a:r>
+            <a:r>
+              <a:rPr lang="en-US" sz="2400" dirty="0" smtClean="0"/>
+              <a:t>emotions:</a:t>
             </a:r>
           </a:p>
           <a:p>
             <a:pPr lvl="1"/>
             <a:r>
-              <a:rPr lang="en-US" dirty="0"/>
-              <a:t>Wild – Context free pictures, found online, and include one sample per subject.</a:t>
+              <a:rPr lang="en-US" sz="2200" dirty="0" smtClean="0"/>
+              <a:t>Certain </a:t>
+            </a:r>
+            <a:r>
+              <a:rPr lang="en-US" sz="2200" dirty="0" smtClean="0"/>
+              <a:t>facial </a:t>
+            </a:r>
+            <a:r>
+              <a:rPr lang="en-US" sz="2200" dirty="0" smtClean="0"/>
+              <a:t>expressions </a:t>
+            </a:r>
+            <a:r>
+              <a:rPr lang="en-US" sz="2200" dirty="0" smtClean="0"/>
+              <a:t>in all </a:t>
+            </a:r>
+            <a:r>
+              <a:rPr lang="en-US" sz="2200" dirty="0" smtClean="0"/>
+              <a:t>cultures</a:t>
             </a:r>
           </a:p>
           <a:p>
             <a:pPr lvl="1"/>
             <a:r>
-              <a:rPr lang="en-US" dirty="0"/>
-              <a:t>Posed – Subjects are volunteers who expressed most or all of the emotions.</a:t>
-            </a:r>
-          </a:p>
-          <a:p>
-            <a:r>
-              <a:rPr lang="en-US" dirty="0"/>
-              <a:t>All data was manually labeled by human annotators.</a:t>
-            </a:r>
+              <a:rPr lang="en-US" sz="2400" dirty="0" smtClean="0"/>
+              <a:t>Happiness</a:t>
+            </a:r>
+            <a:r>
+              <a:rPr lang="en-US" sz="2400" dirty="0" smtClean="0"/>
+              <a:t>, Sadness, Surprise, Fear, Disgust  and Anger.</a:t>
+            </a:r>
+            <a:endParaRPr lang="en-US" sz="2200" dirty="0" smtClean="0"/>
+          </a:p>
+          <a:p>
+            <a:r>
+              <a:rPr lang="en-US" sz="2400" dirty="0" smtClean="0"/>
+              <a:t>Lets take a little test…</a:t>
+            </a:r>
+            <a:endParaRPr lang="en-US" sz="2400" dirty="0" smtClean="0"/>
+          </a:p>
+          <a:p>
+            <a:endParaRPr lang="he-IL" dirty="0"/>
           </a:p>
         </p:txBody>
       </p:sp>
     </p:spTree>
-    <p:extLst>
-      <p:ext uri="{BB962C8B-B14F-4D97-AF65-F5344CB8AC3E}">
-        <p14:creationId xmlns:p14="http://schemas.microsoft.com/office/powerpoint/2010/main" val="1438643472"/>
-      </p:ext>
-    </p:extLst>
   </p:cSld>
   <p:clrMapOvr>
     <a:masterClrMapping/>
@@ -6991,13 +7317,7 @@
       </p:grpSpPr>
       <p:sp>
         <p:nvSpPr>
-          <p:cNvPr id="2" name="Title 1">
-            <a:extLst>
-              <a:ext uri="{FF2B5EF4-FFF2-40B4-BE49-F238E27FC236}">
-                <a16:creationId xmlns:a16="http://schemas.microsoft.com/office/drawing/2014/main" id="{16B9C0A9-A403-4BF0-A84E-9DE66F939863}"/>
-              </a:ext>
-            </a:extLst>
-          </p:cNvPr>
+          <p:cNvPr id="2" name="כותרת 1"/>
           <p:cNvSpPr>
             <a:spLocks noGrp="1"/>
           </p:cNvSpPr>
@@ -7005,27 +7325,35 @@
             <p:ph type="title"/>
           </p:nvPr>
         </p:nvSpPr>
-        <p:spPr/>
+        <p:spPr>
+          <a:xfrm>
+            <a:off x="594848" y="447188"/>
+            <a:ext cx="10571998" cy="970450"/>
+          </a:xfrm>
+        </p:spPr>
         <p:txBody>
           <a:bodyPr/>
           <a:lstStyle/>
           <a:p>
             <a:r>
-              <a:rPr lang="en-US" dirty="0"/>
-              <a:t>Datasets</a:t>
-            </a:r>
-          </a:p>
-        </p:txBody>
-      </p:sp>
-      <p:sp>
-        <p:nvSpPr>
-          <p:cNvPr id="3" name="Content Placeholder 2">
-            <a:extLst>
-              <a:ext uri="{FF2B5EF4-FFF2-40B4-BE49-F238E27FC236}">
-                <a16:creationId xmlns:a16="http://schemas.microsoft.com/office/drawing/2014/main" id="{05F22CCB-70DA-425A-A12C-262BD2A8DC13}"/>
-              </a:ext>
-            </a:extLst>
-          </p:cNvPr>
+              <a:rPr lang="en-US" dirty="0" smtClean="0"/>
+              <a:t>Dr. Paul </a:t>
+            </a:r>
+            <a:r>
+              <a:rPr lang="en-US" dirty="0" err="1" smtClean="0"/>
+              <a:t>Ekman</a:t>
+            </a:r>
+            <a:r>
+              <a:rPr lang="en-US" dirty="0" smtClean="0"/>
+              <a:t> Basic Emotions Theory</a:t>
+            </a:r>
+            <a:endParaRPr lang="he-IL" dirty="0"/>
+          </a:p>
+        </p:txBody>
+      </p:sp>
+      <p:sp>
+        <p:nvSpPr>
+          <p:cNvPr id="3" name="מציין מיקום תוכן 2"/>
           <p:cNvSpPr>
             <a:spLocks noGrp="1"/>
           </p:cNvSpPr>
@@ -7033,81 +7361,228 @@
             <p:ph idx="1"/>
           </p:nvPr>
         </p:nvSpPr>
-        <p:spPr/>
-        <p:txBody>
-          <a:bodyPr/>
-          <a:lstStyle/>
-          <a:p>
-            <a:r>
-              <a:rPr lang="en-US" dirty="0" err="1"/>
-              <a:t>AffectNet</a:t>
-            </a:r>
-            <a:endParaRPr lang="en-US" dirty="0"/>
+        <p:spPr>
+          <a:xfrm>
+            <a:off x="308118" y="2261090"/>
+            <a:ext cx="10554574" cy="4072475"/>
+          </a:xfrm>
+        </p:spPr>
+        <p:txBody>
+          <a:bodyPr>
+            <a:normAutofit fontScale="92500" lnSpcReduction="20000"/>
+          </a:bodyPr>
+          <a:lstStyle/>
+          <a:p>
+            <a:r>
+              <a:rPr lang="en-US" sz="2600" dirty="0" smtClean="0"/>
+              <a:t>The New Guinea man featured below:</a:t>
+            </a:r>
           </a:p>
           <a:p>
             <a:pPr lvl="1"/>
             <a:r>
-              <a:rPr lang="en-US" dirty="0"/>
-              <a:t>Collected by the Department of Electrical and Computer Engineering, University of Denver.</a:t>
+              <a:rPr lang="en-US" sz="2200" dirty="0" smtClean="0"/>
+              <a:t>Living in an isolated, preliterate culture </a:t>
             </a:r>
           </a:p>
           <a:p>
             <a:pPr lvl="1"/>
             <a:r>
-              <a:rPr lang="en-US" dirty="0"/>
-              <a:t>Wild samples.</a:t>
+              <a:rPr lang="en-US" sz="2200" dirty="0" smtClean="0"/>
+              <a:t>Using stone implements </a:t>
             </a:r>
           </a:p>
           <a:p>
             <a:pPr lvl="1"/>
             <a:r>
-              <a:rPr lang="en-US" dirty="0"/>
-              <a:t>About 400,000 samples.</a:t>
-            </a:r>
-          </a:p>
-          <a:p>
-            <a:r>
-              <a:rPr lang="en-US" dirty="0"/>
-              <a:t>Extended Cohn-</a:t>
-            </a:r>
-            <a:r>
-              <a:rPr lang="en-US" dirty="0" err="1"/>
-              <a:t>Kanade</a:t>
-            </a:r>
-            <a:r>
-              <a:rPr lang="en-US" dirty="0"/>
-              <a:t> (CK+)</a:t>
-            </a:r>
-          </a:p>
-          <a:p>
-            <a:pPr lvl="1"/>
-            <a:r>
-              <a:rPr lang="en-US" dirty="0"/>
-              <a:t>Collected by Carnegie Mellon University, Pittsburgh.</a:t>
-            </a:r>
-          </a:p>
-          <a:p>
-            <a:pPr lvl="1"/>
-            <a:r>
-              <a:rPr lang="en-US" dirty="0"/>
-              <a:t>Posed samples.</a:t>
-            </a:r>
-          </a:p>
-          <a:p>
-            <a:pPr lvl="1"/>
-            <a:r>
-              <a:rPr lang="en-US" dirty="0"/>
-              <a:t>123 subjects.</a:t>
-            </a:r>
-          </a:p>
-        </p:txBody>
-      </p:sp>
+              <a:rPr lang="en-US" sz="2200" dirty="0" smtClean="0"/>
+              <a:t>Never seen any outsiders </a:t>
+            </a:r>
+            <a:r>
+              <a:rPr lang="en-US" sz="2200" dirty="0" smtClean="0"/>
+              <a:t>before</a:t>
+            </a:r>
+            <a:r>
+              <a:rPr lang="en-US" sz="2200" dirty="0" smtClean="0"/>
+              <a:t>.</a:t>
+            </a:r>
+          </a:p>
+          <a:p>
+            <a:pPr lvl="1">
+              <a:buNone/>
+            </a:pPr>
+            <a:endParaRPr lang="en-US" sz="2000" dirty="0" smtClean="0"/>
+          </a:p>
+          <a:p>
+            <a:r>
+              <a:rPr lang="en-US" sz="2200" dirty="0" smtClean="0"/>
+              <a:t>His child had just died</a:t>
+            </a:r>
+          </a:p>
+          <a:p>
+            <a:r>
+              <a:rPr lang="en-US" sz="2200" dirty="0" smtClean="0"/>
+              <a:t>He stepped on a smelly dead pig</a:t>
+            </a:r>
+          </a:p>
+          <a:p>
+            <a:r>
+              <a:rPr lang="en-US" sz="2200" dirty="0" smtClean="0"/>
+              <a:t>He was about to fight</a:t>
+            </a:r>
+          </a:p>
+          <a:p>
+            <a:r>
+              <a:rPr lang="en-US" sz="2200" dirty="0" smtClean="0"/>
+              <a:t>Friends had come</a:t>
+            </a:r>
+          </a:p>
+          <a:p>
+            <a:pPr lvl="1">
+              <a:buNone/>
+            </a:pPr>
+            <a:r>
+              <a:rPr lang="en-US" sz="2000" dirty="0" smtClean="0"/>
+              <a:t> </a:t>
+            </a:r>
+          </a:p>
+        </p:txBody>
+      </p:sp>
+      <p:pic>
+        <p:nvPicPr>
+          <p:cNvPr id="2050" name="Picture 2"/>
+          <p:cNvPicPr>
+            <a:picLocks noChangeAspect="1" noChangeArrowheads="1"/>
+          </p:cNvPicPr>
+          <p:nvPr/>
+        </p:nvPicPr>
+        <p:blipFill>
+          <a:blip r:embed="rId2"/>
+          <a:srcRect/>
+          <a:stretch>
+            <a:fillRect/>
+          </a:stretch>
+        </p:blipFill>
+        <p:spPr bwMode="auto">
+          <a:xfrm>
+            <a:off x="10208461" y="833717"/>
+            <a:ext cx="1983539" cy="2913154"/>
+          </a:xfrm>
+          <a:prstGeom prst="rect">
+            <a:avLst/>
+          </a:prstGeom>
+          <a:noFill/>
+          <a:ln w="19050">
+            <a:solidFill>
+              <a:schemeClr val="bg1"/>
+            </a:solidFill>
+            <a:miter lim="800000"/>
+            <a:headEnd/>
+            <a:tailEnd/>
+          </a:ln>
+        </p:spPr>
+      </p:pic>
+      <p:pic>
+        <p:nvPicPr>
+          <p:cNvPr id="2051" name="Picture 3"/>
+          <p:cNvPicPr>
+            <a:picLocks noChangeAspect="1" noChangeArrowheads="1"/>
+          </p:cNvPicPr>
+          <p:nvPr/>
+        </p:nvPicPr>
+        <p:blipFill>
+          <a:blip r:embed="rId3"/>
+          <a:srcRect/>
+          <a:stretch>
+            <a:fillRect/>
+          </a:stretch>
+        </p:blipFill>
+        <p:spPr bwMode="auto">
+          <a:xfrm>
+            <a:off x="10165976" y="3922578"/>
+            <a:ext cx="2026024" cy="2895081"/>
+          </a:xfrm>
+          <a:prstGeom prst="rect">
+            <a:avLst/>
+          </a:prstGeom>
+          <a:noFill/>
+          <a:ln w="19050">
+            <a:solidFill>
+              <a:schemeClr val="bg1"/>
+            </a:solidFill>
+            <a:miter lim="800000"/>
+            <a:headEnd/>
+            <a:tailEnd/>
+          </a:ln>
+        </p:spPr>
+      </p:pic>
+      <p:pic>
+        <p:nvPicPr>
+          <p:cNvPr id="2052" name="Picture 4"/>
+          <p:cNvPicPr>
+            <a:picLocks noChangeAspect="1" noChangeArrowheads="1"/>
+          </p:cNvPicPr>
+          <p:nvPr/>
+        </p:nvPicPr>
+        <p:blipFill>
+          <a:blip r:embed="rId4"/>
+          <a:srcRect/>
+          <a:stretch>
+            <a:fillRect/>
+          </a:stretch>
+        </p:blipFill>
+        <p:spPr bwMode="auto">
+          <a:xfrm>
+            <a:off x="8014447" y="3937834"/>
+            <a:ext cx="1984843" cy="2920166"/>
+          </a:xfrm>
+          <a:prstGeom prst="rect">
+            <a:avLst/>
+          </a:prstGeom>
+          <a:noFill/>
+          <a:ln w="19050">
+            <a:solidFill>
+              <a:schemeClr val="bg1"/>
+            </a:solidFill>
+            <a:miter lim="800000"/>
+            <a:headEnd/>
+            <a:tailEnd/>
+          </a:ln>
+        </p:spPr>
+      </p:pic>
+      <p:pic>
+        <p:nvPicPr>
+          <p:cNvPr id="2053" name="Picture 5"/>
+          <p:cNvPicPr>
+            <a:picLocks noChangeAspect="1" noChangeArrowheads="1"/>
+          </p:cNvPicPr>
+          <p:nvPr/>
+        </p:nvPicPr>
+        <p:blipFill>
+          <a:blip r:embed="rId5"/>
+          <a:srcRect/>
+          <a:stretch>
+            <a:fillRect/>
+          </a:stretch>
+        </p:blipFill>
+        <p:spPr bwMode="auto">
+          <a:xfrm>
+            <a:off x="5921188" y="3939988"/>
+            <a:ext cx="1945341" cy="2918012"/>
+          </a:xfrm>
+          <a:prstGeom prst="rect">
+            <a:avLst/>
+          </a:prstGeom>
+          <a:noFill/>
+          <a:ln w="9525">
+            <a:noFill/>
+            <a:miter lim="800000"/>
+            <a:headEnd/>
+            <a:tailEnd/>
+          </a:ln>
+        </p:spPr>
+      </p:pic>
     </p:spTree>
-    <p:extLst>
-      <p:ext uri="{BB962C8B-B14F-4D97-AF65-F5344CB8AC3E}">
-        <p14:creationId xmlns:p14="http://schemas.microsoft.com/office/powerpoint/2010/main" val="3483356210"/>
-      </p:ext>
-    </p:extLst>
   </p:cSld>
   <p:clrMapOvr>
     <a:masterClrMapping/>
@@ -7137,7 +7612,7 @@
           <p:cNvPr id="2" name="Title 1">
             <a:extLst>
               <a:ext uri="{FF2B5EF4-FFF2-40B4-BE49-F238E27FC236}">
-                <a16:creationId xmlns:a16="http://schemas.microsoft.com/office/drawing/2014/main" id="{591AAB32-1024-4A87-91AF-58430566E19E}"/>
+                <a16:creationId xmlns:a16="http://schemas.microsoft.com/office/drawing/2014/main" xmlns="" id="{6BDA4003-6A56-4EF8-BEEF-3D8FACC03DC1}"/>
               </a:ext>
             </a:extLst>
           </p:cNvPr>
@@ -7155,7 +7630,7 @@
           <a:p>
             <a:r>
               <a:rPr lang="en-US" dirty="0"/>
-              <a:t>Datasets</a:t>
+              <a:t>Data Description</a:t>
             </a:r>
           </a:p>
         </p:txBody>
@@ -7165,7 +7640,7 @@
           <p:cNvPr id="3" name="Content Placeholder 2">
             <a:extLst>
               <a:ext uri="{FF2B5EF4-FFF2-40B4-BE49-F238E27FC236}">
-                <a16:creationId xmlns:a16="http://schemas.microsoft.com/office/drawing/2014/main" id="{3DD37C97-7AC9-47FE-9C58-7711DAB0AE66}"/>
+                <a16:creationId xmlns:a16="http://schemas.microsoft.com/office/drawing/2014/main" xmlns="" id="{36279A8E-9A97-4A7B-8971-FE79DF47FDA4}"/>
               </a:ext>
             </a:extLst>
           </p:cNvPr>
@@ -7176,80 +7651,54 @@
             <p:ph idx="1"/>
           </p:nvPr>
         </p:nvSpPr>
-        <p:spPr>
-          <a:xfrm>
-            <a:off x="818712" y="2222287"/>
-            <a:ext cx="10554574" cy="3636511"/>
-          </a:xfrm>
-        </p:spPr>
+        <p:spPr/>
         <p:txBody>
           <a:bodyPr/>
           <a:lstStyle/>
           <a:p>
             <a:r>
-              <a:rPr lang="en-US" dirty="0"/>
-              <a:t>Multimedia Understanding Group (MUG)</a:t>
+              <a:rPr lang="en-US" sz="2400" dirty="0"/>
+              <a:t>The data we used is comprised of pictures of people faces.</a:t>
+            </a:r>
+          </a:p>
+          <a:p>
+            <a:r>
+              <a:rPr lang="en-US" sz="2400" dirty="0"/>
+              <a:t>The faces in the pictures express various emotions.</a:t>
+            </a:r>
+          </a:p>
+          <a:p>
+            <a:r>
+              <a:rPr lang="en-US" sz="2400" dirty="0"/>
+              <a:t>We dealt with two types of samples:</a:t>
             </a:r>
           </a:p>
           <a:p>
             <a:pPr lvl="1"/>
             <a:r>
-              <a:rPr lang="en-US" dirty="0"/>
-              <a:t>Collected by Aristotle University of Thessaloniki, Greece.</a:t>
+              <a:rPr lang="en-US" sz="2000" dirty="0"/>
+              <a:t>Wild – Context free pictures, found online, and include one sample per subject.</a:t>
             </a:r>
           </a:p>
           <a:p>
             <a:pPr lvl="1"/>
             <a:r>
-              <a:rPr lang="en-US" dirty="0"/>
-              <a:t>Posed samples.</a:t>
-            </a:r>
-          </a:p>
-          <a:p>
-            <a:pPr lvl="1"/>
-            <a:r>
-              <a:rPr lang="en-US" dirty="0"/>
-              <a:t>52 subjects.</a:t>
-            </a:r>
-          </a:p>
-          <a:p>
-            <a:r>
-              <a:rPr lang="en-US" dirty="0"/>
-              <a:t>O</a:t>
-            </a:r>
-            <a:r>
-              <a:rPr lang="fr-FR" dirty="0" err="1"/>
-              <a:t>ulu</a:t>
-            </a:r>
-            <a:r>
-              <a:rPr lang="fr-FR" dirty="0"/>
-              <a:t> CASIA NIR&amp;VIS facial expression </a:t>
-            </a:r>
-            <a:r>
-              <a:rPr lang="fr-FR" dirty="0" err="1"/>
-              <a:t>database</a:t>
-            </a:r>
-            <a:endParaRPr lang="fr-FR" dirty="0"/>
-          </a:p>
-          <a:p>
-            <a:pPr lvl="1"/>
-            <a:r>
-              <a:rPr lang="en-US" dirty="0"/>
-              <a:t>Collected by the University of Oulu, Finland.</a:t>
-            </a:r>
-          </a:p>
-          <a:p>
-            <a:pPr lvl="1"/>
-            <a:r>
-              <a:rPr lang="en-US" dirty="0"/>
-              <a:t>Posed samples.</a:t>
-            </a:r>
-          </a:p>
-          <a:p>
-            <a:pPr lvl="1"/>
-            <a:r>
-              <a:rPr lang="en-US" dirty="0"/>
-              <a:t>80 subjects.</a:t>
+              <a:rPr lang="en-US" sz="2000" dirty="0"/>
+              <a:t>Posed – Subjects are volunteers who expressed </a:t>
+            </a:r>
+            <a:r>
+              <a:rPr lang="en-US" sz="2000" dirty="0" smtClean="0"/>
+              <a:t>some or </a:t>
+            </a:r>
+            <a:r>
+              <a:rPr lang="en-US" sz="2000" dirty="0"/>
+              <a:t>all of the emotions.</a:t>
+            </a:r>
+          </a:p>
+          <a:p>
+            <a:r>
+              <a:rPr lang="en-US" sz="2400" dirty="0"/>
+              <a:t>All data was manually labeled by human annotators.</a:t>
             </a:r>
           </a:p>
         </p:txBody>
@@ -7257,7 +7706,7 @@
     </p:spTree>
     <p:extLst>
       <p:ext uri="{BB962C8B-B14F-4D97-AF65-F5344CB8AC3E}">
-        <p14:creationId xmlns:p14="http://schemas.microsoft.com/office/powerpoint/2010/main" val="2898882871"/>
+        <p14:creationId xmlns:p14="http://schemas.microsoft.com/office/powerpoint/2010/main" xmlns="" val="1438643472"/>
       </p:ext>
     </p:extLst>
   </p:cSld>
@@ -7289,7 +7738,7 @@
           <p:cNvPr id="2" name="Title 1">
             <a:extLst>
               <a:ext uri="{FF2B5EF4-FFF2-40B4-BE49-F238E27FC236}">
-                <a16:creationId xmlns:a16="http://schemas.microsoft.com/office/drawing/2014/main" id="{A4B631FA-48C6-4287-8616-16867CDEB93A}"/>
+                <a16:creationId xmlns:a16="http://schemas.microsoft.com/office/drawing/2014/main" xmlns="" id="{16B9C0A9-A403-4BF0-A84E-9DE66F939863}"/>
               </a:ext>
             </a:extLst>
           </p:cNvPr>
@@ -7307,7 +7756,7 @@
           <a:p>
             <a:r>
               <a:rPr lang="en-US" dirty="0"/>
-              <a:t>Landmarks</a:t>
+              <a:t>Datasets</a:t>
             </a:r>
           </a:p>
         </p:txBody>
@@ -7317,7 +7766,7 @@
           <p:cNvPr id="3" name="Content Placeholder 2">
             <a:extLst>
               <a:ext uri="{FF2B5EF4-FFF2-40B4-BE49-F238E27FC236}">
-                <a16:creationId xmlns:a16="http://schemas.microsoft.com/office/drawing/2014/main" id="{41480C80-0CDF-4AA2-938E-A4A64CDC81F4}"/>
+                <a16:creationId xmlns:a16="http://schemas.microsoft.com/office/drawing/2014/main" xmlns="" id="{05F22CCB-70DA-425A-A12C-262BD2A8DC13}"/>
               </a:ext>
             </a:extLst>
           </p:cNvPr>
@@ -7330,32 +7779,71 @@
         </p:nvSpPr>
         <p:spPr/>
         <p:txBody>
-          <a:bodyPr/>
-          <a:lstStyle/>
-          <a:p>
-            <a:r>
-              <a:rPr lang="en-US" dirty="0"/>
-              <a:t>We used a trained neural network, </a:t>
-            </a:r>
-            <a:r>
-              <a:rPr lang="en-US" dirty="0" err="1"/>
-              <a:t>dlib</a:t>
-            </a:r>
-            <a:r>
-              <a:rPr lang="en-US" dirty="0"/>
-              <a:t>, to extract “landmarks” from the samples.</a:t>
-            </a:r>
-          </a:p>
-          <a:p>
-            <a:r>
-              <a:rPr lang="en-US" dirty="0"/>
-              <a:t>The landmarks are a set of 68 points, marking points of interest in the human face.</a:t>
-            </a:r>
-          </a:p>
-          <a:p>
-            <a:r>
-              <a:rPr lang="en-US" dirty="0"/>
-              <a:t>We chose a subset of 30 landmarks and used them to calculate the features for our models.</a:t>
+          <a:bodyPr>
+            <a:normAutofit fontScale="92500" lnSpcReduction="10000"/>
+          </a:bodyPr>
+          <a:lstStyle/>
+          <a:p>
+            <a:r>
+              <a:rPr lang="en-US" sz="2400" dirty="0" err="1"/>
+              <a:t>AffectNet</a:t>
+            </a:r>
+            <a:endParaRPr lang="en-US" sz="2400" dirty="0"/>
+          </a:p>
+          <a:p>
+            <a:pPr lvl="1"/>
+            <a:r>
+              <a:rPr lang="en-US" sz="2000" dirty="0"/>
+              <a:t>Collected by the Department of Electrical and Computer Engineering, University of Denver.</a:t>
+            </a:r>
+          </a:p>
+          <a:p>
+            <a:pPr lvl="1"/>
+            <a:r>
+              <a:rPr lang="en-US" sz="2000" dirty="0"/>
+              <a:t>Wild samples.</a:t>
+            </a:r>
+          </a:p>
+          <a:p>
+            <a:pPr lvl="1"/>
+            <a:r>
+              <a:rPr lang="en-US" sz="2000" dirty="0"/>
+              <a:t>About 400,000 samples.</a:t>
+            </a:r>
+          </a:p>
+          <a:p>
+            <a:r>
+              <a:rPr lang="en-US" sz="2400" dirty="0"/>
+              <a:t>Extended Cohn-</a:t>
+            </a:r>
+            <a:r>
+              <a:rPr lang="en-US" sz="2400" dirty="0" err="1"/>
+              <a:t>Kanade</a:t>
+            </a:r>
+            <a:r>
+              <a:rPr lang="en-US" sz="2400" dirty="0"/>
+              <a:t> (CK+)</a:t>
+            </a:r>
+          </a:p>
+          <a:p>
+            <a:pPr lvl="1"/>
+            <a:r>
+              <a:rPr lang="en-US" sz="2000" dirty="0"/>
+              <a:t>Collected by Carnegie Mellon University, Pittsburgh.</a:t>
+            </a:r>
+          </a:p>
+          <a:p>
+            <a:pPr lvl="1"/>
+            <a:r>
+              <a:rPr lang="en-US" sz="2000" dirty="0"/>
+              <a:t>Posed samples.</a:t>
+            </a:r>
+          </a:p>
+          <a:p>
+            <a:pPr lvl="1"/>
+            <a:r>
+              <a:rPr lang="en-US" sz="2000" dirty="0"/>
+              <a:t>123 subjects.</a:t>
             </a:r>
           </a:p>
         </p:txBody>
@@ -7363,7 +7851,7 @@
     </p:spTree>
     <p:extLst>
       <p:ext uri="{BB962C8B-B14F-4D97-AF65-F5344CB8AC3E}">
-        <p14:creationId xmlns:p14="http://schemas.microsoft.com/office/powerpoint/2010/main" val="1799872675"/>
+        <p14:creationId xmlns:p14="http://schemas.microsoft.com/office/powerpoint/2010/main" xmlns="" val="3483356210"/>
       </p:ext>
     </p:extLst>
   </p:cSld>
@@ -7395,7 +7883,7 @@
           <p:cNvPr id="2" name="Title 1">
             <a:extLst>
               <a:ext uri="{FF2B5EF4-FFF2-40B4-BE49-F238E27FC236}">
-                <a16:creationId xmlns:a16="http://schemas.microsoft.com/office/drawing/2014/main" id="{58774967-51CB-4DC1-830B-792160AF8859}"/>
+                <a16:creationId xmlns:a16="http://schemas.microsoft.com/office/drawing/2014/main" xmlns="" id="{591AAB32-1024-4A87-91AF-58430566E19E}"/>
               </a:ext>
             </a:extLst>
           </p:cNvPr>
@@ -7413,204 +7901,109 @@
           <a:p>
             <a:r>
               <a:rPr lang="en-US" dirty="0"/>
-              <a:t>Features</a:t>
-            </a:r>
-          </a:p>
-        </p:txBody>
-      </p:sp>
-      <mc:AlternateContent xmlns:mc="http://schemas.openxmlformats.org/markup-compatibility/2006">
-        <mc:Choice xmlns:a14="http://schemas.microsoft.com/office/drawing/2010/main" Requires="a14">
-          <p:sp>
-            <p:nvSpPr>
-              <p:cNvPr id="3" name="Content Placeholder 2">
-                <a:extLst>
-                  <a:ext uri="{FF2B5EF4-FFF2-40B4-BE49-F238E27FC236}">
-                    <a16:creationId xmlns:a16="http://schemas.microsoft.com/office/drawing/2014/main" id="{2CBFF7E1-8BE8-49B1-A1CD-5B328AB71E33}"/>
-                  </a:ext>
-                </a:extLst>
-              </p:cNvPr>
-              <p:cNvSpPr>
-                <a:spLocks noGrp="1"/>
-              </p:cNvSpPr>
-              <p:nvPr>
-                <p:ph idx="1"/>
-              </p:nvPr>
-            </p:nvSpPr>
-            <p:spPr/>
-            <p:txBody>
-              <a:bodyPr/>
-              <a:lstStyle/>
-              <a:p>
-                <a:r>
-                  <a:rPr lang="en-US" dirty="0"/>
-                  <a:t>For each pair of landmarks we calculated the distance between them.</a:t>
-                </a:r>
-              </a:p>
-              <a:p>
-                <a:r>
-                  <a:rPr lang="en-US" dirty="0"/>
-                  <a:t>For each triplet of landmarks we calculated the angle defined by them.</a:t>
-                </a:r>
-              </a:p>
-              <a:p>
-                <a:pPr lvl="1"/>
-                <a:r>
-                  <a:rPr lang="en-US" dirty="0"/>
-                  <a:t>We arbitrarily chose two of three angles per triplet, since the third is linearly dependent on them.</a:t>
-                </a:r>
-              </a:p>
-              <a:p>
-                <a:r>
-                  <a:rPr lang="en-US" dirty="0"/>
-                  <a:t>Total features: </a:t>
-                </a:r>
-                <a14:m>
-                  <m:oMath xmlns:m="http://schemas.openxmlformats.org/officeDocument/2006/math">
-                    <m:d>
-                      <m:dPr>
-                        <m:ctrlPr>
-                          <a:rPr lang="en-US" i="1"/>
-                        </m:ctrlPr>
-                      </m:dPr>
-                      <m:e>
-                        <m:m>
-                          <m:mPr>
-                            <m:mcs>
-                              <m:mc>
-                                <m:mcPr>
-                                  <m:count m:val="1"/>
-                                  <m:mcJc m:val="center"/>
-                                </m:mcPr>
-                              </m:mc>
-                            </m:mcs>
-                            <m:ctrlPr>
-                              <a:rPr lang="en-US" i="1"/>
-                            </m:ctrlPr>
-                          </m:mPr>
-                          <m:mr>
-                            <m:e>
-                              <m:r>
-                                <a:rPr lang="en-US" i="1"/>
-                                <m:t>30</m:t>
-                              </m:r>
-                            </m:e>
-                          </m:mr>
-                          <m:mr>
-                            <m:e>
-                              <m:r>
-                                <a:rPr lang="en-US" i="1"/>
-                                <m:t>2</m:t>
-                              </m:r>
-                            </m:e>
-                          </m:mr>
-                        </m:m>
-                      </m:e>
-                    </m:d>
-                    <m:r>
-                      <a:rPr lang="en-US" i="1"/>
-                      <m:t>+ 2⋅</m:t>
-                    </m:r>
-                    <m:d>
-                      <m:dPr>
-                        <m:ctrlPr>
-                          <a:rPr lang="en-US" i="1"/>
-                        </m:ctrlPr>
-                      </m:dPr>
-                      <m:e>
-                        <m:m>
-                          <m:mPr>
-                            <m:mcs>
-                              <m:mc>
-                                <m:mcPr>
-                                  <m:count m:val="1"/>
-                                  <m:mcJc m:val="center"/>
-                                </m:mcPr>
-                              </m:mc>
-                            </m:mcs>
-                            <m:ctrlPr>
-                              <a:rPr lang="en-US" i="1"/>
-                            </m:ctrlPr>
-                          </m:mPr>
-                          <m:mr>
-                            <m:e>
-                              <m:r>
-                                <a:rPr lang="en-US" i="1"/>
-                                <m:t>30</m:t>
-                              </m:r>
-                            </m:e>
-                          </m:mr>
-                          <m:mr>
-                            <m:e>
-                              <m:r>
-                                <a:rPr lang="en-US" i="1"/>
-                                <m:t>3</m:t>
-                              </m:r>
-                            </m:e>
-                          </m:mr>
-                        </m:m>
-                      </m:e>
-                    </m:d>
-                    <m:r>
-                      <a:rPr lang="en-US"/>
-                      <m:t>=8555</m:t>
-                    </m:r>
-                  </m:oMath>
-                </a14:m>
-                <a:endParaRPr lang="en-US" dirty="0"/>
-              </a:p>
-              <a:p>
-                <a:r>
-                  <a:rPr lang="en-US" dirty="0"/>
-                  <a:t>We used these features in some of the models we tested.</a:t>
-                </a:r>
-              </a:p>
-            </p:txBody>
-          </p:sp>
-        </mc:Choice>
-        <mc:Fallback>
-          <p:sp>
-            <p:nvSpPr>
-              <p:cNvPr id="3" name="Content Placeholder 2">
-                <a:extLst>
-                  <a:ext uri="{FF2B5EF4-FFF2-40B4-BE49-F238E27FC236}">
-                    <a16:creationId xmlns:a16="http://schemas.microsoft.com/office/drawing/2014/main" id="{2CBFF7E1-8BE8-49B1-A1CD-5B328AB71E33}"/>
-                  </a:ext>
-                </a:extLst>
-              </p:cNvPr>
-              <p:cNvSpPr>
-                <a:spLocks noGrp="1" noRot="1" noChangeAspect="1" noMove="1" noResize="1" noEditPoints="1" noAdjustHandles="1" noChangeArrowheads="1" noChangeShapeType="1" noTextEdit="1"/>
-              </p:cNvSpPr>
-              <p:nvPr>
-                <p:ph idx="1"/>
-              </p:nvPr>
-            </p:nvSpPr>
-            <p:spPr>
-              <a:blipFill>
-                <a:blip r:embed="rId2"/>
-                <a:stretch>
-                  <a:fillRect/>
-                </a:stretch>
-              </a:blipFill>
-            </p:spPr>
-            <p:txBody>
-              <a:bodyPr/>
-              <a:lstStyle/>
-              <a:p>
-                <a:r>
-                  <a:rPr lang="en-US">
-                    <a:noFill/>
-                  </a:rPr>
-                  <a:t> </a:t>
-                </a:r>
-              </a:p>
-            </p:txBody>
-          </p:sp>
-        </mc:Fallback>
-      </mc:AlternateContent>
+              <a:t>Datasets</a:t>
+            </a:r>
+          </a:p>
+        </p:txBody>
+      </p:sp>
+      <p:sp>
+        <p:nvSpPr>
+          <p:cNvPr id="3" name="Content Placeholder 2">
+            <a:extLst>
+              <a:ext uri="{FF2B5EF4-FFF2-40B4-BE49-F238E27FC236}">
+                <a16:creationId xmlns:a16="http://schemas.microsoft.com/office/drawing/2014/main" xmlns="" id="{3DD37C97-7AC9-47FE-9C58-7711DAB0AE66}"/>
+              </a:ext>
+            </a:extLst>
+          </p:cNvPr>
+          <p:cNvSpPr>
+            <a:spLocks noGrp="1"/>
+          </p:cNvSpPr>
+          <p:nvPr>
+            <p:ph idx="1"/>
+          </p:nvPr>
+        </p:nvSpPr>
+        <p:spPr>
+          <a:xfrm>
+            <a:off x="818712" y="2222287"/>
+            <a:ext cx="10554574" cy="3636511"/>
+          </a:xfrm>
+        </p:spPr>
+        <p:txBody>
+          <a:bodyPr/>
+          <a:lstStyle/>
+          <a:p>
+            <a:r>
+              <a:rPr lang="en-US" sz="2400" dirty="0"/>
+              <a:t>Multimedia Understanding Group (MUG)</a:t>
+            </a:r>
+          </a:p>
+          <a:p>
+            <a:pPr lvl="1"/>
+            <a:r>
+              <a:rPr lang="en-US" sz="2000" dirty="0"/>
+              <a:t>Collected by Aristotle University of Thessaloniki, Greece.</a:t>
+            </a:r>
+          </a:p>
+          <a:p>
+            <a:pPr lvl="1"/>
+            <a:r>
+              <a:rPr lang="en-US" sz="2000" dirty="0"/>
+              <a:t>Posed samples.</a:t>
+            </a:r>
+          </a:p>
+          <a:p>
+            <a:pPr lvl="1"/>
+            <a:r>
+              <a:rPr lang="en-US" sz="2000" dirty="0"/>
+              <a:t>52 subjects.</a:t>
+            </a:r>
+          </a:p>
+          <a:p>
+            <a:r>
+              <a:rPr lang="en-US" sz="2400" dirty="0"/>
+              <a:t>O</a:t>
+            </a:r>
+            <a:r>
+              <a:rPr lang="fr-FR" sz="2400" dirty="0" err="1"/>
+              <a:t>ulu</a:t>
+            </a:r>
+            <a:r>
+              <a:rPr lang="fr-FR" sz="2400" dirty="0"/>
+              <a:t> CASIA NIR&amp;VIS facial expression </a:t>
+            </a:r>
+            <a:r>
+              <a:rPr lang="fr-FR" sz="2400" dirty="0" err="1"/>
+              <a:t>database</a:t>
+            </a:r>
+            <a:endParaRPr lang="fr-FR" sz="2400" dirty="0"/>
+          </a:p>
+          <a:p>
+            <a:pPr lvl="1"/>
+            <a:r>
+              <a:rPr lang="en-US" sz="2000" dirty="0"/>
+              <a:t>Collected by the University of Oulu, Finland.</a:t>
+            </a:r>
+          </a:p>
+          <a:p>
+            <a:pPr lvl="1"/>
+            <a:r>
+              <a:rPr lang="en-US" sz="2000" dirty="0"/>
+              <a:t>Posed samples.</a:t>
+            </a:r>
+          </a:p>
+          <a:p>
+            <a:pPr lvl="1"/>
+            <a:r>
+              <a:rPr lang="en-US" sz="2000" dirty="0"/>
+              <a:t>80 subjects.</a:t>
+            </a:r>
+          </a:p>
+        </p:txBody>
+      </p:sp>
     </p:spTree>
     <p:extLst>
       <p:ext uri="{BB962C8B-B14F-4D97-AF65-F5344CB8AC3E}">
-        <p14:creationId xmlns:p14="http://schemas.microsoft.com/office/powerpoint/2010/main" val="2010315940"/>
+        <p14:creationId xmlns:p14="http://schemas.microsoft.com/office/powerpoint/2010/main" xmlns="" val="2898882871"/>
       </p:ext>
     </p:extLst>
   </p:cSld>
@@ -7663,7 +8056,7 @@
     </a:clrScheme>
     <a:fontScheme name="Quotable">
       <a:majorFont>
-        <a:latin typeface="Century Gothic" panose="020B0502020202020204"/>
+        <a:latin typeface="Century Gothic"/>
         <a:ea typeface=""/>
         <a:cs typeface=""/>
         <a:font script="Jpan" typeface="ＭＳ ゴシック"/>
@@ -7698,7 +8091,7 @@
         <a:font script="Geor" typeface="Sylfaen"/>
       </a:majorFont>
       <a:minorFont>
-        <a:latin typeface="Century Gothic" panose="020B0502020202020204"/>
+        <a:latin typeface="Century Gothic"/>
         <a:ea typeface=""/>
         <a:cs typeface=""/>
         <a:font script="Jpan" typeface="ＭＳ ゴシック"/>
@@ -7851,7 +8244,7 @@
   <a:extraClrSchemeLst/>
   <a:extLst>
     <a:ext uri="{05A4C25C-085E-4340-85A3-A5531E510DB2}">
-      <thm15:themeFamily xmlns:thm15="http://schemas.microsoft.com/office/thememl/2012/main" name="Quotable" id="{39EC5628-30ED-4578-ACD8-9820EDB8E15A}" vid="{6F3559E9-1A4C-49D8-94D4-F41003531C49}"/>
+      <thm15:themeFamily xmlns:thm15="http://schemas.microsoft.com/office/thememl/2012/main" xmlns="" name="Quotable" id="{39EC5628-30ED-4578-ACD8-9820EDB8E15A}" vid="{6F3559E9-1A4C-49D8-94D4-F41003531C49}"/>
     </a:ext>
   </a:extLst>
 </a:theme>
